--- a/197001/20200222_01_doc_001.pptx
+++ b/197001/20200222_01_doc_001.pptx
@@ -13,14 +13,13 @@
     <p:sldId id="266" r:id="rId7"/>
     <p:sldId id="267" r:id="rId8"/>
     <p:sldId id="268" r:id="rId9"/>
-    <p:sldId id="271" r:id="rId10"/>
+    <p:sldId id="269" r:id="rId10"/>
     <p:sldId id="258" r:id="rId11"/>
-    <p:sldId id="269" r:id="rId12"/>
-    <p:sldId id="259" r:id="rId13"/>
-    <p:sldId id="270" r:id="rId14"/>
-    <p:sldId id="261" r:id="rId15"/>
-    <p:sldId id="262" r:id="rId16"/>
-    <p:sldId id="272" r:id="rId17"/>
+    <p:sldId id="259" r:id="rId12"/>
+    <p:sldId id="270" r:id="rId13"/>
+    <p:sldId id="261" r:id="rId14"/>
+    <p:sldId id="262" r:id="rId15"/>
+    <p:sldId id="272" r:id="rId16"/>
   </p:sldIdLst>
   <p:sldSz cx="12192000" cy="6858000"/>
   <p:notesSz cx="6858000" cy="9144000"/>
@@ -119,6 +118,11 @@
       </a:defRPr>
     </a:lvl9pPr>
   </p:defaultTextStyle>
+  <p:extLst>
+    <p:ext uri="{EFAFB233-063F-42B5-8137-9DF3F51BA10A}">
+      <p15:sldGuideLst xmlns:p15="http://schemas.microsoft.com/office/powerpoint/2012/main"/>
+    </p:ext>
+  </p:extLst>
 </p:presentation>
 </file>
 
@@ -3608,7 +3612,7 @@
           <p:cNvPr id="2" name="标题 1">
             <a:extLst>
               <a:ext uri="{FF2B5EF4-FFF2-40B4-BE49-F238E27FC236}">
-                <a16:creationId xmlns:a16="http://schemas.microsoft.com/office/drawing/2014/main" id="{7CD1C4D3-70F4-094C-8902-07421D56AB0B}"/>
+                <a16:creationId xmlns:a16="http://schemas.microsoft.com/office/drawing/2014/main" id="{1AE5905B-A546-184C-8CA9-94E0A1B9B737}"/>
               </a:ext>
             </a:extLst>
           </p:cNvPr>
@@ -3626,7 +3630,7 @@
           <a:p>
             <a:r>
               <a:rPr kumimoji="1" lang="zh-CN" altLang="en-US"/>
-              <a:t>兴趣班目标和衡量标准</a:t>
+              <a:t>计划</a:t>
             </a:r>
           </a:p>
         </p:txBody>
@@ -3636,7 +3640,7 @@
           <p:cNvPr id="3" name="内容占位符 2">
             <a:extLst>
               <a:ext uri="{FF2B5EF4-FFF2-40B4-BE49-F238E27FC236}">
-                <a16:creationId xmlns:a16="http://schemas.microsoft.com/office/drawing/2014/main" id="{FCDE3BC7-FD28-7A4F-AC94-EFD0E52A5D05}"/>
+                <a16:creationId xmlns:a16="http://schemas.microsoft.com/office/drawing/2014/main" id="{52B451ED-E405-D54F-B98E-FDB0E888B766}"/>
               </a:ext>
             </a:extLst>
           </p:cNvPr>
@@ -3649,130 +3653,429 @@
         </p:nvSpPr>
         <p:spPr/>
         <p:txBody>
-          <a:bodyPr/>
-          <a:lstStyle/>
-          <a:p>
-            <a:r>
-              <a:rPr kumimoji="1" lang="zh-CN" altLang="en-US"/>
-              <a:t>兴趣班</a:t>
-            </a:r>
-            <a:endParaRPr kumimoji="1" lang="en-US" altLang="zh-CN"/>
-          </a:p>
-          <a:p>
-            <a:pPr lvl="1"/>
-            <a:r>
-              <a:rPr kumimoji="1" lang="zh-CN" altLang="en-US"/>
-              <a:t>计算机</a:t>
-            </a:r>
-            <a:r>
-              <a:rPr kumimoji="1" lang="en-US" altLang="zh-CN"/>
+          <a:bodyPr>
+            <a:noAutofit/>
+          </a:bodyPr>
+          <a:lstStyle/>
+          <a:p>
+            <a:r>
+              <a:rPr kumimoji="1" lang="zh-CN" altLang="en-US" sz="1800"/>
+              <a:t>工作日</a:t>
+            </a:r>
+            <a:endParaRPr kumimoji="1" lang="en-US" altLang="zh-CN" sz="1800"/>
+          </a:p>
+          <a:p>
+            <a:pPr lvl="1"/>
+            <a:r>
+              <a:rPr kumimoji="1" lang="zh-CN" altLang="en-US" sz="1600"/>
+              <a:t>读英语</a:t>
+            </a:r>
+            <a:r>
+              <a:rPr kumimoji="1" lang="en-US" altLang="zh-CN" sz="1600"/>
               <a:t>:</a:t>
             </a:r>
             <a:r>
-              <a:rPr kumimoji="1" lang="zh-CN" altLang="en-US"/>
-              <a:t>西瓜创客</a:t>
-            </a:r>
-            <a:r>
-              <a:rPr kumimoji="1" lang="en-US" altLang="zh-CN"/>
-              <a:t>-</a:t>
-            </a:r>
-            <a:r>
-              <a:rPr kumimoji="1" lang="zh-CN" altLang="en-US"/>
-              <a:t>在线</a:t>
-            </a:r>
-            <a:r>
-              <a:rPr kumimoji="1" lang="en-US" altLang="zh-CN"/>
-              <a:t>,</a:t>
-            </a:r>
-            <a:r>
-              <a:rPr kumimoji="1" lang="zh-CN" altLang="en-US"/>
-              <a:t> 礼拜五晚上</a:t>
-            </a:r>
-          </a:p>
-          <a:p>
-            <a:r>
-              <a:rPr kumimoji="1" lang="zh-CN" altLang="en-US"/>
-              <a:t>辅导班</a:t>
-            </a:r>
-            <a:endParaRPr kumimoji="1" lang="en-US" altLang="zh-CN"/>
-          </a:p>
-          <a:p>
-            <a:pPr lvl="1"/>
-            <a:r>
-              <a:rPr kumimoji="1" lang="zh-CN" altLang="en-US"/>
-              <a:t>语文</a:t>
-            </a:r>
-            <a:r>
-              <a:rPr kumimoji="1" lang="en-US" altLang="zh-CN"/>
-              <a:t>-</a:t>
-            </a:r>
-            <a:r>
-              <a:rPr kumimoji="1" lang="zh-CN" altLang="en-US"/>
-              <a:t>在线</a:t>
-            </a:r>
-            <a:r>
-              <a:rPr kumimoji="1" lang="en-US" altLang="zh-CN"/>
-              <a:t>,</a:t>
-            </a:r>
-            <a:r>
-              <a:rPr kumimoji="1" lang="zh-CN" altLang="en-US"/>
-              <a:t> 礼拜六下午</a:t>
-            </a:r>
-            <a:endParaRPr kumimoji="1" lang="en-US" altLang="zh-CN"/>
-          </a:p>
-          <a:p>
-            <a:pPr lvl="1"/>
-            <a:r>
-              <a:rPr kumimoji="1" lang="zh-CN" altLang="en-US"/>
-              <a:t>数学</a:t>
-            </a:r>
-            <a:r>
-              <a:rPr kumimoji="1" lang="en-US" altLang="zh-CN"/>
-              <a:t>-</a:t>
-            </a:r>
-            <a:r>
-              <a:rPr kumimoji="1" lang="zh-CN" altLang="en-US"/>
-              <a:t>线下</a:t>
-            </a:r>
-            <a:r>
-              <a:rPr kumimoji="1" lang="en-US" altLang="zh-CN"/>
-              <a:t>,</a:t>
-            </a:r>
-            <a:r>
-              <a:rPr kumimoji="1" lang="zh-CN" altLang="en-US"/>
-              <a:t> 礼拜天上午</a:t>
-            </a:r>
-            <a:endParaRPr kumimoji="1" lang="en-US" altLang="zh-CN"/>
-          </a:p>
-          <a:p>
-            <a:pPr lvl="1"/>
-            <a:r>
-              <a:rPr kumimoji="1" lang="zh-CN" altLang="en-US"/>
-              <a:t>英语</a:t>
-            </a:r>
-            <a:r>
-              <a:rPr kumimoji="1" lang="en-US" altLang="zh-CN"/>
-              <a:t>-</a:t>
-            </a:r>
-            <a:r>
-              <a:rPr kumimoji="1" lang="zh-CN" altLang="en-US"/>
-              <a:t>线下</a:t>
-            </a:r>
-            <a:r>
-              <a:rPr kumimoji="1" lang="en-US" altLang="zh-CN"/>
-              <a:t>,</a:t>
-            </a:r>
-            <a:r>
-              <a:rPr kumimoji="1" lang="zh-CN" altLang="en-US"/>
-              <a:t> 礼拜六下午</a:t>
-            </a:r>
+              <a:rPr kumimoji="1" lang="zh-CN" altLang="en-US" sz="1600"/>
+              <a:t> </a:t>
+            </a:r>
+            <a:r>
+              <a:rPr kumimoji="1" lang="en-US" altLang="zh-CN" sz="1600"/>
+              <a:t>6:00~6:30</a:t>
+            </a:r>
+          </a:p>
+          <a:p>
+            <a:pPr lvl="1"/>
+            <a:r>
+              <a:rPr kumimoji="1" lang="zh-CN" altLang="en-US" sz="1600"/>
+              <a:t>晚上作业时间</a:t>
+            </a:r>
+            <a:r>
+              <a:rPr kumimoji="1" lang="en-US" altLang="zh-CN" sz="1600"/>
+              <a:t>:</a:t>
+            </a:r>
+            <a:r>
+              <a:rPr kumimoji="1" lang="zh-CN" altLang="en-US" sz="1600"/>
+              <a:t> </a:t>
+            </a:r>
+            <a:r>
+              <a:rPr kumimoji="1" lang="en-US" altLang="zh-CN" sz="1600"/>
+              <a:t>20:00</a:t>
+            </a:r>
+            <a:r>
+              <a:rPr kumimoji="1" lang="zh-CN" altLang="en-US" sz="1600"/>
+              <a:t> </a:t>
+            </a:r>
+            <a:r>
+              <a:rPr kumimoji="1" lang="en-US" altLang="zh-CN" sz="1600"/>
+              <a:t>~</a:t>
+            </a:r>
+            <a:r>
+              <a:rPr kumimoji="1" lang="zh-CN" altLang="en-US" sz="1600"/>
+              <a:t> </a:t>
+            </a:r>
+            <a:r>
+              <a:rPr kumimoji="1" lang="en-US" altLang="zh-CN" sz="1600"/>
+              <a:t>21:00</a:t>
+            </a:r>
+          </a:p>
+          <a:p>
+            <a:pPr lvl="1"/>
+            <a:r>
+              <a:rPr kumimoji="1" lang="zh-CN" altLang="en-US" sz="1600"/>
+              <a:t>读名著</a:t>
+            </a:r>
+            <a:r>
+              <a:rPr kumimoji="1" lang="en-US" altLang="zh-CN" sz="1600"/>
+              <a:t>:</a:t>
+            </a:r>
+            <a:r>
+              <a:rPr kumimoji="1" lang="zh-CN" altLang="en-US" sz="1600"/>
+              <a:t> </a:t>
+            </a:r>
+            <a:r>
+              <a:rPr kumimoji="1" lang="en-US" altLang="zh-CN" sz="1600"/>
+              <a:t>21:00</a:t>
+            </a:r>
+            <a:r>
+              <a:rPr kumimoji="1" lang="zh-CN" altLang="en-US" sz="1600"/>
+              <a:t> </a:t>
+            </a:r>
+            <a:r>
+              <a:rPr kumimoji="1" lang="en-US" altLang="zh-CN" sz="1600"/>
+              <a:t>~</a:t>
+            </a:r>
+            <a:r>
+              <a:rPr kumimoji="1" lang="zh-CN" altLang="en-US" sz="1600"/>
+              <a:t> </a:t>
+            </a:r>
+            <a:r>
+              <a:rPr kumimoji="1" lang="en-US" altLang="zh-CN" sz="1600"/>
+              <a:t>21:30</a:t>
+            </a:r>
+          </a:p>
+          <a:p>
+            <a:pPr lvl="1"/>
+            <a:r>
+              <a:rPr kumimoji="1" lang="zh-CN" altLang="en-US" sz="1600"/>
+              <a:t>错题、未理解知识点录播</a:t>
+            </a:r>
+            <a:r>
+              <a:rPr kumimoji="1" lang="en-US" altLang="zh-CN" sz="1600"/>
+              <a:t>:</a:t>
+            </a:r>
+            <a:r>
+              <a:rPr kumimoji="1" lang="zh-CN" altLang="en-US" sz="1600"/>
+              <a:t> </a:t>
+            </a:r>
+            <a:r>
+              <a:rPr kumimoji="1" lang="en-US" altLang="zh-CN" sz="1600"/>
+              <a:t>21:30</a:t>
+            </a:r>
+            <a:r>
+              <a:rPr kumimoji="1" lang="zh-CN" altLang="en-US" sz="1600"/>
+              <a:t> </a:t>
+            </a:r>
+            <a:r>
+              <a:rPr kumimoji="1" lang="en-US" altLang="zh-CN" sz="1600"/>
+              <a:t>~</a:t>
+            </a:r>
+            <a:r>
+              <a:rPr kumimoji="1" lang="zh-CN" altLang="en-US" sz="1600"/>
+              <a:t> </a:t>
+            </a:r>
+            <a:r>
+              <a:rPr kumimoji="1" lang="en-US" altLang="zh-CN" sz="1600"/>
+              <a:t>21:45</a:t>
+            </a:r>
+          </a:p>
+          <a:p>
+            <a:pPr lvl="1"/>
+            <a:r>
+              <a:rPr kumimoji="1" lang="zh-CN" altLang="en-US" sz="1600"/>
+              <a:t>体育</a:t>
+            </a:r>
+            <a:r>
+              <a:rPr kumimoji="1" lang="en-US" altLang="zh-CN" sz="1600"/>
+              <a:t>:</a:t>
+            </a:r>
+            <a:r>
+              <a:rPr kumimoji="1" lang="zh-CN" altLang="en-US" sz="1600"/>
+              <a:t> </a:t>
+            </a:r>
+            <a:r>
+              <a:rPr kumimoji="1" lang="en-US" altLang="zh-CN" sz="1600"/>
+              <a:t>21:45</a:t>
+            </a:r>
+            <a:r>
+              <a:rPr kumimoji="1" lang="zh-CN" altLang="en-US" sz="1600"/>
+              <a:t> </a:t>
+            </a:r>
+            <a:r>
+              <a:rPr kumimoji="1" lang="en-US" altLang="zh-CN" sz="1600"/>
+              <a:t>~</a:t>
+            </a:r>
+            <a:r>
+              <a:rPr kumimoji="1" lang="zh-CN" altLang="en-US" sz="1600"/>
+              <a:t> </a:t>
+            </a:r>
+            <a:r>
+              <a:rPr kumimoji="1" lang="en-US" altLang="zh-CN" sz="1600"/>
+              <a:t>22:00</a:t>
+            </a:r>
+          </a:p>
+          <a:p>
+            <a:pPr lvl="1"/>
+            <a:r>
+              <a:rPr kumimoji="1" lang="zh-CN" altLang="en-US" sz="1600"/>
+              <a:t>自由活动时间</a:t>
+            </a:r>
+            <a:r>
+              <a:rPr kumimoji="1" lang="en-US" altLang="zh-CN" sz="1600"/>
+              <a:t>:</a:t>
+            </a:r>
+            <a:r>
+              <a:rPr kumimoji="1" lang="zh-CN" altLang="en-US" sz="1600"/>
+              <a:t> </a:t>
+            </a:r>
+            <a:r>
+              <a:rPr kumimoji="1" lang="en-US" altLang="zh-CN" sz="1600"/>
+              <a:t>22:00</a:t>
+            </a:r>
+            <a:r>
+              <a:rPr kumimoji="1" lang="zh-CN" altLang="en-US" sz="1600"/>
+              <a:t> </a:t>
+            </a:r>
+            <a:r>
+              <a:rPr kumimoji="1" lang="en-US" altLang="zh-CN" sz="1600"/>
+              <a:t>~</a:t>
+            </a:r>
+            <a:r>
+              <a:rPr kumimoji="1" lang="zh-CN" altLang="en-US" sz="1600"/>
+              <a:t> </a:t>
+            </a:r>
+            <a:r>
+              <a:rPr kumimoji="1" lang="en-US" altLang="zh-CN" sz="1600"/>
+              <a:t>22:30</a:t>
+            </a:r>
+          </a:p>
+          <a:p>
+            <a:pPr lvl="1"/>
+            <a:r>
+              <a:rPr kumimoji="1" lang="zh-CN" altLang="en-US" sz="1600"/>
+              <a:t>熄灯时间</a:t>
+            </a:r>
+            <a:r>
+              <a:rPr kumimoji="1" lang="en-US" altLang="zh-CN" sz="1600"/>
+              <a:t>:</a:t>
+            </a:r>
+            <a:r>
+              <a:rPr kumimoji="1" lang="zh-CN" altLang="en-US" sz="1600"/>
+              <a:t> </a:t>
+            </a:r>
+            <a:r>
+              <a:rPr kumimoji="1" lang="en-US" altLang="zh-CN" sz="1600"/>
+              <a:t>22:30</a:t>
+            </a:r>
+          </a:p>
+          <a:p>
+            <a:r>
+              <a:rPr kumimoji="1" lang="zh-CN" altLang="en-US" sz="1800"/>
+              <a:t>节假日</a:t>
+            </a:r>
+            <a:endParaRPr kumimoji="1" lang="en-US" altLang="zh-CN" sz="1800"/>
+          </a:p>
+          <a:p>
+            <a:pPr lvl="1"/>
+            <a:r>
+              <a:rPr kumimoji="1" lang="zh-CN" altLang="en-US" sz="1400"/>
+              <a:t>读英语</a:t>
+            </a:r>
+            <a:r>
+              <a:rPr kumimoji="1" lang="en-US" altLang="zh-CN" sz="1400"/>
+              <a:t>:</a:t>
+            </a:r>
+            <a:r>
+              <a:rPr kumimoji="1" lang="zh-CN" altLang="en-US" sz="1400"/>
+              <a:t> </a:t>
+            </a:r>
+            <a:r>
+              <a:rPr kumimoji="1" lang="en-US" altLang="zh-CN" sz="1400"/>
+              <a:t>7:00~8:00</a:t>
+            </a:r>
+          </a:p>
+          <a:p>
+            <a:pPr lvl="1"/>
+            <a:r>
+              <a:rPr kumimoji="1" lang="zh-CN" altLang="en-US" sz="1400"/>
+              <a:t>读名著</a:t>
+            </a:r>
+            <a:r>
+              <a:rPr kumimoji="1" lang="en-US" altLang="zh-CN" sz="1400"/>
+              <a:t>:</a:t>
+            </a:r>
+            <a:r>
+              <a:rPr kumimoji="1" lang="zh-CN" altLang="en-US" sz="1400"/>
+              <a:t> </a:t>
+            </a:r>
+            <a:r>
+              <a:rPr kumimoji="1" lang="en-US" altLang="zh-CN" sz="1400"/>
+              <a:t>45</a:t>
+            </a:r>
+            <a:r>
+              <a:rPr kumimoji="1" lang="zh-CN" altLang="en-US" sz="1400"/>
+              <a:t>分钟</a:t>
+            </a:r>
+            <a:endParaRPr kumimoji="1" lang="en-US" altLang="zh-CN" sz="1400"/>
+          </a:p>
+          <a:p>
+            <a:pPr lvl="1"/>
+            <a:r>
+              <a:rPr kumimoji="1" lang="zh-CN" altLang="en-US" sz="1400"/>
+              <a:t>家庭作业</a:t>
+            </a:r>
+            <a:r>
+              <a:rPr kumimoji="1" lang="en-US" altLang="zh-CN" sz="1400"/>
+              <a:t>:</a:t>
+            </a:r>
+            <a:r>
+              <a:rPr kumimoji="1" lang="zh-CN" altLang="en-US" sz="1400"/>
+              <a:t> </a:t>
+            </a:r>
+            <a:r>
+              <a:rPr kumimoji="1" lang="en-US" altLang="zh-CN" sz="1400"/>
+              <a:t>120</a:t>
+            </a:r>
+            <a:r>
+              <a:rPr kumimoji="1" lang="zh-CN" altLang="en-US" sz="1400"/>
+              <a:t>分钟</a:t>
+            </a:r>
+            <a:endParaRPr kumimoji="1" lang="en-US" altLang="zh-CN" sz="1400"/>
+          </a:p>
+          <a:p>
+            <a:pPr lvl="1"/>
+            <a:r>
+              <a:rPr kumimoji="1" lang="zh-CN" altLang="en-US" sz="1400"/>
+              <a:t>错题、未理解知识点整理</a:t>
+            </a:r>
+            <a:r>
+              <a:rPr kumimoji="1" lang="en-US" altLang="zh-CN" sz="1400"/>
+              <a:t>:</a:t>
+            </a:r>
+            <a:r>
+              <a:rPr kumimoji="1" lang="zh-CN" altLang="en-US" sz="1400"/>
+              <a:t> </a:t>
+            </a:r>
+            <a:r>
+              <a:rPr kumimoji="1" lang="en-US" altLang="zh-CN" sz="1400"/>
+              <a:t>90</a:t>
+            </a:r>
+            <a:r>
+              <a:rPr kumimoji="1" lang="zh-CN" altLang="en-US" sz="1400"/>
+              <a:t>分钟</a:t>
+            </a:r>
+            <a:endParaRPr kumimoji="1" lang="en-US" altLang="zh-CN" sz="1400"/>
+          </a:p>
+          <a:p>
+            <a:pPr lvl="1"/>
+            <a:r>
+              <a:rPr kumimoji="1" lang="zh-CN" altLang="en-US" sz="1400"/>
+              <a:t>错题、未理解知识点录播</a:t>
+            </a:r>
+            <a:r>
+              <a:rPr kumimoji="1" lang="en-US" altLang="zh-CN" sz="1400"/>
+              <a:t>:</a:t>
+            </a:r>
+            <a:r>
+              <a:rPr kumimoji="1" lang="zh-CN" altLang="en-US" sz="1400"/>
+              <a:t> </a:t>
+            </a:r>
+            <a:r>
+              <a:rPr kumimoji="1" lang="en-US" altLang="zh-CN" sz="1400"/>
+              <a:t>15</a:t>
+            </a:r>
+            <a:r>
+              <a:rPr kumimoji="1" lang="zh-CN" altLang="en-US" sz="1400"/>
+              <a:t>分钟</a:t>
+            </a:r>
+            <a:endParaRPr kumimoji="1" lang="en-US" altLang="zh-CN" sz="1400"/>
+          </a:p>
+          <a:p>
+            <a:pPr lvl="1"/>
+            <a:r>
+              <a:rPr kumimoji="1" lang="zh-CN" altLang="en-US" sz="1400"/>
+              <a:t>辅导班作业</a:t>
+            </a:r>
+            <a:r>
+              <a:rPr kumimoji="1" lang="en-US" altLang="zh-CN" sz="1400"/>
+              <a:t>:</a:t>
+            </a:r>
+            <a:r>
+              <a:rPr kumimoji="1" lang="zh-CN" altLang="en-US" sz="1400"/>
+              <a:t> </a:t>
+            </a:r>
+            <a:r>
+              <a:rPr kumimoji="1" lang="en-US" altLang="zh-CN" sz="1400"/>
+              <a:t>45</a:t>
+            </a:r>
+            <a:r>
+              <a:rPr kumimoji="1" lang="zh-CN" altLang="en-US" sz="1400"/>
+              <a:t>分钟</a:t>
+            </a:r>
+            <a:endParaRPr kumimoji="1" lang="en-US" altLang="zh-CN" sz="1400"/>
+          </a:p>
+          <a:p>
+            <a:pPr lvl="1"/>
+            <a:r>
+              <a:rPr kumimoji="1" lang="zh-CN" altLang="en-US" sz="1400"/>
+              <a:t>体育</a:t>
+            </a:r>
+            <a:r>
+              <a:rPr kumimoji="1" lang="en-US" altLang="zh-CN" sz="1400"/>
+              <a:t>:</a:t>
+            </a:r>
+            <a:r>
+              <a:rPr kumimoji="1" lang="zh-CN" altLang="en-US" sz="1400"/>
+              <a:t> </a:t>
+            </a:r>
+            <a:r>
+              <a:rPr kumimoji="1" lang="en-US" altLang="zh-CN" sz="1400"/>
+              <a:t>30</a:t>
+            </a:r>
+            <a:r>
+              <a:rPr kumimoji="1" lang="zh-CN" altLang="en-US" sz="1400"/>
+              <a:t>分钟</a:t>
+            </a:r>
+            <a:endParaRPr kumimoji="1" lang="en-US" altLang="zh-CN" sz="1400"/>
+          </a:p>
+          <a:p>
+            <a:pPr lvl="1"/>
+            <a:r>
+              <a:rPr kumimoji="1" lang="zh-CN" altLang="en-US" sz="1400"/>
+              <a:t>熄灯时间</a:t>
+            </a:r>
+            <a:r>
+              <a:rPr kumimoji="1" lang="en-US" altLang="zh-CN" sz="1400"/>
+              <a:t>:</a:t>
+            </a:r>
+            <a:r>
+              <a:rPr kumimoji="1" lang="zh-CN" altLang="en-US" sz="1400"/>
+              <a:t> </a:t>
+            </a:r>
+            <a:r>
+              <a:rPr kumimoji="1" lang="en-US" altLang="zh-CN" sz="1400"/>
+              <a:t>22:30</a:t>
+            </a:r>
+          </a:p>
+          <a:p>
+            <a:pPr lvl="1"/>
+            <a:endParaRPr kumimoji="1" lang="zh-CN" altLang="en-US" sz="1400"/>
           </a:p>
         </p:txBody>
       </p:sp>
     </p:spTree>
     <p:extLst>
       <p:ext uri="{BB962C8B-B14F-4D97-AF65-F5344CB8AC3E}">
-        <p14:creationId xmlns:p14="http://schemas.microsoft.com/office/powerpoint/2010/main" val="659445456"/>
+        <p14:creationId xmlns:p14="http://schemas.microsoft.com/office/powerpoint/2010/main" val="2969530522"/>
       </p:ext>
     </p:extLst>
   </p:cSld>
@@ -3804,7 +4107,7 @@
           <p:cNvPr id="2" name="标题 1">
             <a:extLst>
               <a:ext uri="{FF2B5EF4-FFF2-40B4-BE49-F238E27FC236}">
-                <a16:creationId xmlns:a16="http://schemas.microsoft.com/office/drawing/2014/main" id="{1AE5905B-A546-184C-8CA9-94E0A1B9B737}"/>
+                <a16:creationId xmlns:a16="http://schemas.microsoft.com/office/drawing/2014/main" id="{718B197A-391D-BA46-978A-297C7DB25C0A}"/>
               </a:ext>
             </a:extLst>
           </p:cNvPr>
@@ -3822,7 +4125,7 @@
           <a:p>
             <a:r>
               <a:rPr kumimoji="1" lang="zh-CN" altLang="en-US"/>
-              <a:t>计划</a:t>
+              <a:t>问题改进计划</a:t>
             </a:r>
           </a:p>
         </p:txBody>
@@ -3832,7 +4135,7 @@
           <p:cNvPr id="3" name="内容占位符 2">
             <a:extLst>
               <a:ext uri="{FF2B5EF4-FFF2-40B4-BE49-F238E27FC236}">
-                <a16:creationId xmlns:a16="http://schemas.microsoft.com/office/drawing/2014/main" id="{52B451ED-E405-D54F-B98E-FDB0E888B766}"/>
+                <a16:creationId xmlns:a16="http://schemas.microsoft.com/office/drawing/2014/main" id="{9FE6A09E-77A4-5245-9A82-2B4DA02C91BC}"/>
               </a:ext>
             </a:extLst>
           </p:cNvPr>
@@ -3852,7 +4155,7 @@
           <a:p>
             <a:r>
               <a:rPr kumimoji="1" lang="zh-CN" altLang="en-US" sz="1800"/>
-              <a:t>工作日</a:t>
+              <a:t>家长补漏洞</a:t>
             </a:r>
             <a:endParaRPr kumimoji="1" lang="en-US" altLang="zh-CN" sz="1800"/>
           </a:p>
@@ -3860,219 +4163,113 @@
             <a:pPr lvl="1"/>
             <a:r>
               <a:rPr kumimoji="1" lang="zh-CN" altLang="en-US" sz="1600"/>
-              <a:t>读英语</a:t>
+              <a:t>抄作业</a:t>
+            </a:r>
+            <a:endParaRPr kumimoji="1" lang="en-US" altLang="zh-CN" sz="1600"/>
+          </a:p>
+          <a:p>
+            <a:r>
+              <a:rPr kumimoji="1" lang="zh-CN" altLang="en-US" sz="1800"/>
+              <a:t>家长制定计划</a:t>
+            </a:r>
+            <a:endParaRPr kumimoji="1" lang="en-US" altLang="zh-CN" sz="1800"/>
+          </a:p>
+          <a:p>
+            <a:pPr lvl="1"/>
+            <a:r>
+              <a:rPr kumimoji="1" lang="zh-CN" altLang="en-US" sz="1600"/>
+              <a:t>没有计划</a:t>
+            </a:r>
+            <a:endParaRPr kumimoji="1" lang="en-US" altLang="zh-CN" sz="1600"/>
+          </a:p>
+          <a:p>
+            <a:r>
+              <a:rPr kumimoji="1" lang="zh-CN" altLang="en-US" sz="1800" b="1"/>
+              <a:t>错误问题记录本、未理解知识点记录本、钉钉分享</a:t>
+            </a:r>
+            <a:r>
+              <a:rPr kumimoji="1" lang="en-US" altLang="zh-CN" sz="1800"/>
+              <a:t>.</a:t>
+            </a:r>
+            <a:r>
+              <a:rPr kumimoji="1" lang="zh-CN" altLang="en-US" sz="1800"/>
+              <a:t> </a:t>
+            </a:r>
+            <a:endParaRPr kumimoji="1" lang="en-US" altLang="zh-CN" sz="1800"/>
+          </a:p>
+          <a:p>
+            <a:pPr lvl="1"/>
+            <a:r>
+              <a:rPr kumimoji="1" lang="zh-CN" altLang="en-US" sz="1600"/>
+              <a:t>没有解决的问题放任不管</a:t>
             </a:r>
             <a:r>
               <a:rPr kumimoji="1" lang="en-US" altLang="zh-CN" sz="1600"/>
-              <a:t>:</a:t>
+              <a:t>,</a:t>
             </a:r>
             <a:r>
               <a:rPr kumimoji="1" lang="zh-CN" altLang="en-US" sz="1600"/>
-              <a:t> </a:t>
+              <a:t> 不愿意深度思考</a:t>
             </a:r>
             <a:r>
               <a:rPr kumimoji="1" lang="en-US" altLang="zh-CN" sz="1600"/>
-              <a:t>6:00~6:30</a:t>
-            </a:r>
-          </a:p>
-          <a:p>
-            <a:pPr lvl="1"/>
+              <a:t>,</a:t>
+            </a:r>
             <a:r>
               <a:rPr kumimoji="1" lang="zh-CN" altLang="en-US" sz="1600"/>
-              <a:t>晚上作业时间</a:t>
-            </a:r>
-            <a:r>
-              <a:rPr kumimoji="1" lang="en-US" altLang="zh-CN" sz="1600"/>
-              <a:t>:</a:t>
-            </a:r>
+              <a:t> 不愿意和同学交流问题</a:t>
+            </a:r>
+            <a:endParaRPr kumimoji="1" lang="en-US" altLang="zh-CN" sz="1600"/>
+          </a:p>
+          <a:p>
+            <a:pPr lvl="1"/>
             <a:r>
               <a:rPr kumimoji="1" lang="zh-CN" altLang="en-US" sz="1600"/>
-              <a:t> </a:t>
-            </a:r>
-            <a:r>
-              <a:rPr kumimoji="1" lang="en-US" altLang="zh-CN" sz="1600"/>
-              <a:t>20:00</a:t>
-            </a:r>
+              <a:t>没有总结的习惯</a:t>
+            </a:r>
+          </a:p>
+          <a:p>
+            <a:r>
+              <a:rPr kumimoji="1" lang="zh-CN" altLang="en-US" sz="1800"/>
+              <a:t>规定作业完成时间段、正确率</a:t>
+            </a:r>
+            <a:endParaRPr kumimoji="1" lang="en-US" altLang="zh-CN" sz="1800"/>
+          </a:p>
+          <a:p>
+            <a:pPr lvl="1"/>
             <a:r>
               <a:rPr kumimoji="1" lang="zh-CN" altLang="en-US" sz="1600"/>
-              <a:t> </a:t>
-            </a:r>
-            <a:r>
-              <a:rPr kumimoji="1" lang="en-US" altLang="zh-CN" sz="1600"/>
-              <a:t>~</a:t>
-            </a:r>
+              <a:t>粗心</a:t>
+            </a:r>
+          </a:p>
+          <a:p>
+            <a:pPr lvl="1"/>
             <a:r>
               <a:rPr kumimoji="1" lang="zh-CN" altLang="en-US" sz="1600"/>
-              <a:t> </a:t>
-            </a:r>
-            <a:r>
-              <a:rPr kumimoji="1" lang="en-US" altLang="zh-CN" sz="1600"/>
-              <a:t>21:00</a:t>
-            </a:r>
-          </a:p>
-          <a:p>
-            <a:pPr lvl="1"/>
-            <a:r>
-              <a:rPr kumimoji="1" lang="zh-CN" altLang="en-US" sz="1600"/>
-              <a:t>读名著</a:t>
-            </a:r>
-            <a:r>
-              <a:rPr kumimoji="1" lang="en-US" altLang="zh-CN" sz="1600"/>
-              <a:t>:</a:t>
-            </a:r>
-            <a:r>
-              <a:rPr kumimoji="1" lang="zh-CN" altLang="en-US" sz="1600"/>
-              <a:t> </a:t>
-            </a:r>
-            <a:r>
-              <a:rPr kumimoji="1" lang="en-US" altLang="zh-CN" sz="1600"/>
-              <a:t>21:00</a:t>
-            </a:r>
-            <a:r>
-              <a:rPr kumimoji="1" lang="zh-CN" altLang="en-US" sz="1600"/>
-              <a:t> </a:t>
-            </a:r>
-            <a:r>
-              <a:rPr kumimoji="1" lang="en-US" altLang="zh-CN" sz="1600"/>
-              <a:t>~</a:t>
-            </a:r>
-            <a:r>
-              <a:rPr kumimoji="1" lang="zh-CN" altLang="en-US" sz="1600"/>
-              <a:t> </a:t>
-            </a:r>
-            <a:r>
-              <a:rPr kumimoji="1" lang="en-US" altLang="zh-CN" sz="1600"/>
-              <a:t>21:30</a:t>
-            </a:r>
-          </a:p>
-          <a:p>
-            <a:pPr lvl="1"/>
-            <a:r>
-              <a:rPr kumimoji="1" lang="zh-CN" altLang="en-US" sz="1600"/>
-              <a:t>错题、未理解知识点录播</a:t>
-            </a:r>
-            <a:r>
-              <a:rPr kumimoji="1" lang="en-US" altLang="zh-CN" sz="1600"/>
-              <a:t>:</a:t>
-            </a:r>
-            <a:r>
-              <a:rPr kumimoji="1" lang="zh-CN" altLang="en-US" sz="1600"/>
-              <a:t> </a:t>
-            </a:r>
-            <a:r>
-              <a:rPr kumimoji="1" lang="en-US" altLang="zh-CN" sz="1600"/>
-              <a:t>21:30</a:t>
-            </a:r>
-            <a:r>
-              <a:rPr kumimoji="1" lang="zh-CN" altLang="en-US" sz="1600"/>
-              <a:t> </a:t>
-            </a:r>
-            <a:r>
-              <a:rPr kumimoji="1" lang="en-US" altLang="zh-CN" sz="1600"/>
-              <a:t>~</a:t>
-            </a:r>
-            <a:r>
-              <a:rPr kumimoji="1" lang="zh-CN" altLang="en-US" sz="1600"/>
-              <a:t> </a:t>
-            </a:r>
-            <a:r>
-              <a:rPr kumimoji="1" lang="en-US" altLang="zh-CN" sz="1600"/>
-              <a:t>21:45</a:t>
-            </a:r>
-          </a:p>
-          <a:p>
-            <a:pPr lvl="1"/>
-            <a:r>
-              <a:rPr kumimoji="1" lang="zh-CN" altLang="en-US" sz="1600"/>
-              <a:t>体育</a:t>
-            </a:r>
-            <a:r>
-              <a:rPr kumimoji="1" lang="en-US" altLang="zh-CN" sz="1600"/>
-              <a:t>:</a:t>
-            </a:r>
-            <a:r>
-              <a:rPr kumimoji="1" lang="zh-CN" altLang="en-US" sz="1600"/>
-              <a:t> </a:t>
-            </a:r>
-            <a:r>
-              <a:rPr kumimoji="1" lang="en-US" altLang="zh-CN" sz="1600"/>
-              <a:t>21:45</a:t>
-            </a:r>
-            <a:r>
-              <a:rPr kumimoji="1" lang="zh-CN" altLang="en-US" sz="1600"/>
-              <a:t> </a:t>
-            </a:r>
-            <a:r>
-              <a:rPr kumimoji="1" lang="en-US" altLang="zh-CN" sz="1600"/>
-              <a:t>~</a:t>
-            </a:r>
-            <a:r>
-              <a:rPr kumimoji="1" lang="zh-CN" altLang="en-US" sz="1600"/>
-              <a:t> </a:t>
-            </a:r>
-            <a:r>
-              <a:rPr kumimoji="1" lang="en-US" altLang="zh-CN" sz="1600"/>
-              <a:t>22:00</a:t>
-            </a:r>
-          </a:p>
-          <a:p>
-            <a:pPr lvl="1"/>
-            <a:r>
-              <a:rPr kumimoji="1" lang="zh-CN" altLang="en-US" sz="1600"/>
-              <a:t>自由活动时间</a:t>
-            </a:r>
-            <a:r>
-              <a:rPr kumimoji="1" lang="en-US" altLang="zh-CN" sz="1600"/>
-              <a:t>:</a:t>
-            </a:r>
-            <a:r>
-              <a:rPr kumimoji="1" lang="zh-CN" altLang="en-US" sz="1600"/>
-              <a:t> </a:t>
-            </a:r>
-            <a:r>
-              <a:rPr kumimoji="1" lang="en-US" altLang="zh-CN" sz="1600"/>
-              <a:t>22:00</a:t>
-            </a:r>
-            <a:r>
-              <a:rPr kumimoji="1" lang="zh-CN" altLang="en-US" sz="1600"/>
-              <a:t> </a:t>
-            </a:r>
-            <a:r>
-              <a:rPr kumimoji="1" lang="en-US" altLang="zh-CN" sz="1600"/>
-              <a:t>~</a:t>
-            </a:r>
-            <a:r>
-              <a:rPr kumimoji="1" lang="zh-CN" altLang="en-US" sz="1600"/>
-              <a:t> </a:t>
-            </a:r>
-            <a:r>
-              <a:rPr kumimoji="1" lang="en-US" altLang="zh-CN" sz="1600"/>
-              <a:t>22:30</a:t>
-            </a:r>
-          </a:p>
-          <a:p>
-            <a:pPr lvl="1"/>
-            <a:r>
-              <a:rPr kumimoji="1" lang="zh-CN" altLang="en-US" sz="1600"/>
-              <a:t>熄灯时间</a:t>
-            </a:r>
-            <a:r>
-              <a:rPr kumimoji="1" lang="en-US" altLang="zh-CN" sz="1600"/>
-              <a:t>:</a:t>
-            </a:r>
-            <a:r>
-              <a:rPr kumimoji="1" lang="zh-CN" altLang="en-US" sz="1600"/>
-              <a:t> </a:t>
-            </a:r>
-            <a:r>
-              <a:rPr kumimoji="1" lang="en-US" altLang="zh-CN" sz="1600"/>
-              <a:t>22:30</a:t>
-            </a:r>
+              <a:t>不能长时间集中精神</a:t>
+            </a:r>
+            <a:endParaRPr kumimoji="1" lang="en-US" altLang="zh-CN" sz="1600"/>
           </a:p>
           <a:p>
             <a:r>
               <a:rPr kumimoji="1" lang="zh-CN" altLang="en-US" sz="1800"/>
-              <a:t>节假日</a:t>
+              <a:t>对标班级样本</a:t>
+            </a:r>
+            <a:r>
+              <a:rPr kumimoji="1" lang="en-US" altLang="zh-CN" sz="1800"/>
+              <a:t>,</a:t>
+            </a:r>
+            <a:r>
+              <a:rPr kumimoji="1" lang="zh-CN" altLang="en-US" sz="1800"/>
+              <a:t> 对比</a:t>
+            </a:r>
+            <a:r>
+              <a:rPr kumimoji="1" lang="en-US" altLang="zh-CN" sz="1800"/>
+              <a:t>xxx.</a:t>
+            </a:r>
+            <a:r>
+              <a:rPr kumimoji="1" lang="zh-CN" altLang="en-US" sz="1800"/>
+              <a:t> 作业、卷子达到同等水准</a:t>
             </a:r>
             <a:endParaRPr kumimoji="1" lang="en-US" altLang="zh-CN" sz="1800"/>
           </a:p>
@@ -4080,194 +4277,103 @@
             <a:pPr lvl="1"/>
             <a:r>
               <a:rPr kumimoji="1" lang="zh-CN" altLang="en-US" sz="1400"/>
-              <a:t>读英语</a:t>
+              <a:t>字不好</a:t>
+            </a:r>
+            <a:endParaRPr kumimoji="1" lang="en-US" altLang="zh-CN" sz="1400"/>
+          </a:p>
+          <a:p>
+            <a:r>
+              <a:rPr kumimoji="1" lang="zh-CN" altLang="en-US" sz="1800" b="1"/>
+              <a:t>备忘本</a:t>
+            </a:r>
+            <a:r>
+              <a:rPr kumimoji="1" lang="en-US" altLang="zh-CN" sz="1800"/>
+              <a:t>,</a:t>
+            </a:r>
+            <a:r>
+              <a:rPr kumimoji="1" lang="zh-CN" altLang="en-US" sz="1800"/>
+              <a:t> 无法立即完成的事情先记录下来</a:t>
+            </a:r>
+            <a:r>
+              <a:rPr kumimoji="1" lang="en-US" altLang="zh-CN" sz="1800"/>
+              <a:t>,</a:t>
+            </a:r>
+            <a:r>
+              <a:rPr kumimoji="1" lang="zh-CN" altLang="en-US" sz="1800"/>
+              <a:t> 做完后标记已完成</a:t>
+            </a:r>
+            <a:endParaRPr kumimoji="1" lang="en-US" altLang="zh-CN" sz="1800"/>
+          </a:p>
+          <a:p>
+            <a:pPr lvl="1"/>
+            <a:r>
+              <a:rPr kumimoji="1" lang="zh-CN" altLang="en-US" sz="1400"/>
+              <a:t>丢三落四</a:t>
             </a:r>
             <a:r>
               <a:rPr kumimoji="1" lang="en-US" altLang="zh-CN" sz="1400"/>
-              <a:t>:</a:t>
-            </a:r>
-            <a:r>
-              <a:rPr kumimoji="1" lang="zh-CN" altLang="en-US" sz="1400"/>
-              <a:t> </a:t>
+              <a:t>,</a:t>
+            </a:r>
+            <a:r>
+              <a:rPr kumimoji="1" lang="zh-CN" altLang="en-US" sz="1400"/>
+              <a:t> 老师布置的作业不关心</a:t>
             </a:r>
             <a:r>
               <a:rPr kumimoji="1" lang="en-US" altLang="zh-CN" sz="1400"/>
-              <a:t>7:00~8:00</a:t>
-            </a:r>
-          </a:p>
-          <a:p>
-            <a:pPr lvl="1"/>
-            <a:r>
-              <a:rPr kumimoji="1" lang="zh-CN" altLang="en-US" sz="1400"/>
-              <a:t>读名著</a:t>
-            </a:r>
-            <a:r>
-              <a:rPr kumimoji="1" lang="en-US" altLang="zh-CN" sz="1400"/>
-              <a:t>:</a:t>
-            </a:r>
-            <a:r>
-              <a:rPr kumimoji="1" lang="zh-CN" altLang="en-US" sz="1400"/>
-              <a:t> </a:t>
-            </a:r>
-            <a:r>
-              <a:rPr kumimoji="1" lang="en-US" altLang="zh-CN" sz="1400"/>
-              <a:t>45</a:t>
-            </a:r>
-            <a:r>
-              <a:rPr kumimoji="1" lang="zh-CN" altLang="en-US" sz="1400"/>
-              <a:t>分钟</a:t>
+              <a:t>,</a:t>
+            </a:r>
+            <a:r>
+              <a:rPr kumimoji="1" lang="zh-CN" altLang="en-US" sz="1400"/>
+              <a:t> 辅导班布置的作业不关心</a:t>
             </a:r>
             <a:endParaRPr kumimoji="1" lang="en-US" altLang="zh-CN" sz="1400"/>
           </a:p>
           <a:p>
-            <a:pPr lvl="1"/>
-            <a:r>
-              <a:rPr kumimoji="1" lang="zh-CN" altLang="en-US" sz="1400"/>
-              <a:t>家庭作业</a:t>
-            </a:r>
-            <a:r>
-              <a:rPr kumimoji="1" lang="en-US" altLang="zh-CN" sz="1400"/>
-              <a:t>:</a:t>
-            </a:r>
-            <a:r>
-              <a:rPr kumimoji="1" lang="zh-CN" altLang="en-US" sz="1400"/>
-              <a:t> </a:t>
-            </a:r>
-            <a:r>
-              <a:rPr kumimoji="1" lang="en-US" altLang="zh-CN" sz="1400"/>
-              <a:t>120</a:t>
-            </a:r>
-            <a:r>
-              <a:rPr kumimoji="1" lang="zh-CN" altLang="en-US" sz="1400"/>
-              <a:t>分钟</a:t>
+            <a:r>
+              <a:rPr kumimoji="1" lang="zh-CN" altLang="en-US" sz="1800"/>
+              <a:t>每天检查</a:t>
+            </a:r>
+            <a:r>
+              <a:rPr kumimoji="1" lang="en-US" altLang="zh-CN" sz="1800"/>
+              <a:t>,</a:t>
+            </a:r>
+            <a:r>
+              <a:rPr kumimoji="1" lang="zh-CN" altLang="en-US" sz="1800"/>
+              <a:t> 记分</a:t>
+            </a:r>
+            <a:r>
+              <a:rPr kumimoji="1" lang="en-US" altLang="zh-CN" sz="1800"/>
+              <a:t>(</a:t>
+            </a:r>
+            <a:r>
+              <a:rPr kumimoji="1" lang="zh-CN" altLang="en-US" sz="1800"/>
+              <a:t>详细记录丢分项</a:t>
+            </a:r>
+            <a:r>
+              <a:rPr kumimoji="1" lang="en-US" altLang="zh-CN" sz="1800"/>
+              <a:t>)</a:t>
+            </a:r>
+          </a:p>
+          <a:p>
+            <a:pPr lvl="1"/>
+            <a:r>
+              <a:rPr kumimoji="1" lang="zh-CN" altLang="en-US" sz="1400"/>
+              <a:t>房间脏乱差</a:t>
             </a:r>
             <a:endParaRPr kumimoji="1" lang="en-US" altLang="zh-CN" sz="1400"/>
           </a:p>
           <a:p>
-            <a:pPr lvl="1"/>
-            <a:r>
-              <a:rPr kumimoji="1" lang="zh-CN" altLang="en-US" sz="1400"/>
-              <a:t>错题、未理解知识点整理</a:t>
-            </a:r>
-            <a:r>
-              <a:rPr kumimoji="1" lang="en-US" altLang="zh-CN" sz="1400"/>
-              <a:t>:</a:t>
-            </a:r>
-            <a:r>
-              <a:rPr kumimoji="1" lang="zh-CN" altLang="en-US" sz="1400"/>
-              <a:t> </a:t>
-            </a:r>
-            <a:r>
-              <a:rPr kumimoji="1" lang="en-US" altLang="zh-CN" sz="1400"/>
-              <a:t>90</a:t>
-            </a:r>
-            <a:r>
-              <a:rPr kumimoji="1" lang="zh-CN" altLang="en-US" sz="1400"/>
-              <a:t>分钟</a:t>
-            </a:r>
-            <a:endParaRPr kumimoji="1" lang="en-US" altLang="zh-CN" sz="1400"/>
-          </a:p>
-          <a:p>
-            <a:pPr lvl="1"/>
-            <a:r>
-              <a:rPr kumimoji="1" lang="zh-CN" altLang="en-US" sz="1400"/>
-              <a:t>错题、未理解知识点录播</a:t>
-            </a:r>
-            <a:r>
-              <a:rPr kumimoji="1" lang="en-US" altLang="zh-CN" sz="1400"/>
-              <a:t>:</a:t>
-            </a:r>
-            <a:r>
-              <a:rPr kumimoji="1" lang="zh-CN" altLang="en-US" sz="1400"/>
-              <a:t> </a:t>
-            </a:r>
-            <a:r>
-              <a:rPr kumimoji="1" lang="en-US" altLang="zh-CN" sz="1400"/>
-              <a:t>15</a:t>
-            </a:r>
-            <a:r>
-              <a:rPr kumimoji="1" lang="zh-CN" altLang="en-US" sz="1400"/>
-              <a:t>分钟</a:t>
-            </a:r>
-            <a:endParaRPr kumimoji="1" lang="en-US" altLang="zh-CN" sz="1400"/>
-          </a:p>
-          <a:p>
-            <a:pPr lvl="1"/>
-            <a:r>
-              <a:rPr kumimoji="1" lang="zh-CN" altLang="en-US" sz="1400"/>
-              <a:t>辅导班作业</a:t>
-            </a:r>
-            <a:r>
-              <a:rPr kumimoji="1" lang="en-US" altLang="zh-CN" sz="1400"/>
-              <a:t>:</a:t>
-            </a:r>
-            <a:r>
-              <a:rPr kumimoji="1" lang="zh-CN" altLang="en-US" sz="1400"/>
-              <a:t> </a:t>
-            </a:r>
-            <a:r>
-              <a:rPr kumimoji="1" lang="en-US" altLang="zh-CN" sz="1400"/>
-              <a:t>45</a:t>
-            </a:r>
-            <a:r>
-              <a:rPr kumimoji="1" lang="zh-CN" altLang="en-US" sz="1400"/>
-              <a:t>分钟</a:t>
-            </a:r>
-            <a:endParaRPr kumimoji="1" lang="en-US" altLang="zh-CN" sz="1400"/>
-          </a:p>
-          <a:p>
-            <a:pPr lvl="1"/>
-            <a:r>
-              <a:rPr kumimoji="1" lang="zh-CN" altLang="en-US" sz="1400"/>
-              <a:t>体育</a:t>
-            </a:r>
-            <a:r>
-              <a:rPr kumimoji="1" lang="en-US" altLang="zh-CN" sz="1400"/>
-              <a:t>:</a:t>
-            </a:r>
-            <a:r>
-              <a:rPr kumimoji="1" lang="zh-CN" altLang="en-US" sz="1400"/>
-              <a:t> </a:t>
-            </a:r>
-            <a:r>
-              <a:rPr kumimoji="1" lang="en-US" altLang="zh-CN" sz="1400"/>
-              <a:t>30</a:t>
-            </a:r>
-            <a:r>
-              <a:rPr kumimoji="1" lang="zh-CN" altLang="en-US" sz="1400"/>
-              <a:t>分钟</a:t>
-            </a:r>
-            <a:endParaRPr kumimoji="1" lang="en-US" altLang="zh-CN" sz="1400"/>
-          </a:p>
-          <a:p>
-            <a:pPr lvl="1"/>
-            <a:r>
-              <a:rPr kumimoji="1" lang="zh-CN" altLang="en-US" sz="1400"/>
-              <a:t>熄灯时间</a:t>
-            </a:r>
-            <a:r>
-              <a:rPr kumimoji="1" lang="en-US" altLang="zh-CN" sz="1400"/>
-              <a:t>:</a:t>
-            </a:r>
-            <a:r>
-              <a:rPr kumimoji="1" lang="zh-CN" altLang="en-US" sz="1400"/>
-              <a:t> </a:t>
-            </a:r>
-            <a:r>
-              <a:rPr kumimoji="1" lang="en-US" altLang="zh-CN" sz="1400"/>
-              <a:t>22:30</a:t>
-            </a:r>
-          </a:p>
-          <a:p>
-            <a:pPr lvl="1"/>
-            <a:endParaRPr kumimoji="1" lang="zh-CN" altLang="en-US" sz="1400"/>
+            <a:endParaRPr kumimoji="1" lang="en-US" altLang="zh-CN" sz="1800"/>
+          </a:p>
+          <a:p>
+            <a:endParaRPr kumimoji="1" lang="zh-CN" altLang="en-US" sz="1800"/>
           </a:p>
         </p:txBody>
       </p:sp>
     </p:spTree>
     <p:extLst>
       <p:ext uri="{BB962C8B-B14F-4D97-AF65-F5344CB8AC3E}">
-        <p14:creationId xmlns:p14="http://schemas.microsoft.com/office/powerpoint/2010/main" val="2969530522"/>
+        <p14:creationId xmlns:p14="http://schemas.microsoft.com/office/powerpoint/2010/main" val="250819689"/>
       </p:ext>
     </p:extLst>
   </p:cSld>
@@ -4299,7 +4405,7 @@
           <p:cNvPr id="2" name="标题 1">
             <a:extLst>
               <a:ext uri="{FF2B5EF4-FFF2-40B4-BE49-F238E27FC236}">
-                <a16:creationId xmlns:a16="http://schemas.microsoft.com/office/drawing/2014/main" id="{718B197A-391D-BA46-978A-297C7DB25C0A}"/>
+                <a16:creationId xmlns:a16="http://schemas.microsoft.com/office/drawing/2014/main" id="{5CBFB286-DAEC-614D-AF30-64E393C21CA6}"/>
               </a:ext>
             </a:extLst>
           </p:cNvPr>
@@ -4317,7 +4423,7 @@
           <a:p>
             <a:r>
               <a:rPr kumimoji="1" lang="zh-CN" altLang="en-US"/>
-              <a:t>问题改进计划</a:t>
+              <a:t>执行标准</a:t>
             </a:r>
           </a:p>
         </p:txBody>
@@ -4327,7 +4433,7 @@
           <p:cNvPr id="3" name="内容占位符 2">
             <a:extLst>
               <a:ext uri="{FF2B5EF4-FFF2-40B4-BE49-F238E27FC236}">
-                <a16:creationId xmlns:a16="http://schemas.microsoft.com/office/drawing/2014/main" id="{9FE6A09E-77A4-5245-9A82-2B4DA02C91BC}"/>
+                <a16:creationId xmlns:a16="http://schemas.microsoft.com/office/drawing/2014/main" id="{2E47F57F-89F4-7740-AE75-B731E47C14BF}"/>
               </a:ext>
             </a:extLst>
           </p:cNvPr>
@@ -4347,160 +4453,457 @@
           <a:p>
             <a:r>
               <a:rPr kumimoji="1" lang="zh-CN" altLang="en-US" sz="1800"/>
-              <a:t>家长补漏洞</a:t>
+              <a:t>学生</a:t>
             </a:r>
             <a:endParaRPr kumimoji="1" lang="en-US" altLang="zh-CN" sz="1800"/>
           </a:p>
           <a:p>
             <a:pPr lvl="1"/>
             <a:r>
-              <a:rPr kumimoji="1" lang="zh-CN" altLang="en-US" sz="1600"/>
-              <a:t>抄作业</a:t>
-            </a:r>
-            <a:endParaRPr kumimoji="1" lang="en-US" altLang="zh-CN" sz="1600"/>
+              <a:rPr kumimoji="1" lang="en-US" altLang="zh-CN" sz="1400"/>
+              <a:t>1</a:t>
+            </a:r>
+            <a:r>
+              <a:rPr kumimoji="1" lang="zh-CN" altLang="en-US" sz="1400"/>
+              <a:t>、准备专用未理解知识点记录本</a:t>
+            </a:r>
+            <a:r>
+              <a:rPr kumimoji="1" lang="en-US" altLang="zh-CN" sz="1400"/>
+              <a:t>, </a:t>
+            </a:r>
+            <a:r>
+              <a:rPr kumimoji="1" lang="zh-CN" altLang="en-US" sz="1400"/>
+              <a:t>分年级</a:t>
+            </a:r>
+            <a:r>
+              <a:rPr kumimoji="1" lang="en-US" altLang="zh-CN" sz="1400"/>
+              <a:t>, </a:t>
+            </a:r>
+            <a:r>
+              <a:rPr kumimoji="1" lang="zh-CN" altLang="en-US" sz="1400"/>
+              <a:t>分科目</a:t>
+            </a:r>
+            <a:r>
+              <a:rPr kumimoji="1" lang="en-US" altLang="zh-CN" sz="1400"/>
+              <a:t>, </a:t>
+            </a:r>
+            <a:r>
+              <a:rPr kumimoji="1" lang="zh-CN" altLang="en-US" sz="1400"/>
+              <a:t>分章节</a:t>
+            </a:r>
+            <a:r>
+              <a:rPr kumimoji="1" lang="en-US" altLang="zh-CN" sz="1400"/>
+              <a:t>. </a:t>
+            </a:r>
+            <a:r>
+              <a:rPr kumimoji="1" lang="zh-CN" altLang="en-US" sz="1400"/>
+              <a:t>整理未理解知识点</a:t>
+            </a:r>
+            <a:r>
+              <a:rPr kumimoji="1" lang="en-US" altLang="zh-CN" sz="1400"/>
+              <a:t>, </a:t>
+            </a:r>
+            <a:r>
+              <a:rPr kumimoji="1" lang="zh-CN" altLang="en-US" sz="1400"/>
+              <a:t>分享</a:t>
+            </a:r>
+            <a:r>
+              <a:rPr kumimoji="1" lang="en-US" altLang="zh-CN" sz="1400"/>
+              <a:t>. </a:t>
+            </a:r>
+          </a:p>
+          <a:p>
+            <a:pPr lvl="1"/>
+            <a:r>
+              <a:rPr kumimoji="1" lang="en-US" altLang="zh-CN" sz="1400"/>
+              <a:t>2</a:t>
+            </a:r>
+            <a:r>
+              <a:rPr kumimoji="1" lang="zh-CN" altLang="en-US" sz="1400"/>
+              <a:t>、准备专用错题集合记录本</a:t>
+            </a:r>
+            <a:r>
+              <a:rPr kumimoji="1" lang="en-US" altLang="zh-CN" sz="1400"/>
+              <a:t>, </a:t>
+            </a:r>
+            <a:r>
+              <a:rPr kumimoji="1" lang="zh-CN" altLang="en-US" sz="1400"/>
+              <a:t>分年级</a:t>
+            </a:r>
+            <a:r>
+              <a:rPr kumimoji="1" lang="en-US" altLang="zh-CN" sz="1400"/>
+              <a:t>, </a:t>
+            </a:r>
+            <a:r>
+              <a:rPr kumimoji="1" lang="zh-CN" altLang="en-US" sz="1400"/>
+              <a:t>分科目</a:t>
+            </a:r>
+            <a:r>
+              <a:rPr kumimoji="1" lang="en-US" altLang="zh-CN" sz="1400"/>
+              <a:t>, </a:t>
+            </a:r>
+            <a:r>
+              <a:rPr kumimoji="1" lang="zh-CN" altLang="en-US" sz="1400"/>
+              <a:t>分章节</a:t>
+            </a:r>
+            <a:r>
+              <a:rPr kumimoji="1" lang="en-US" altLang="zh-CN" sz="1400"/>
+              <a:t>. </a:t>
+            </a:r>
+            <a:r>
+              <a:rPr kumimoji="1" lang="zh-CN" altLang="en-US" sz="1400"/>
+              <a:t>整理错误题目</a:t>
+            </a:r>
+            <a:r>
+              <a:rPr kumimoji="1" lang="en-US" altLang="zh-CN" sz="1400"/>
+              <a:t>, </a:t>
+            </a:r>
+            <a:r>
+              <a:rPr kumimoji="1" lang="zh-CN" altLang="en-US" sz="1400"/>
+              <a:t>分享</a:t>
+            </a:r>
+            <a:r>
+              <a:rPr kumimoji="1" lang="en-US" altLang="zh-CN" sz="1400"/>
+              <a:t>.  </a:t>
+            </a:r>
+          </a:p>
+          <a:p>
+            <a:pPr lvl="1"/>
+            <a:r>
+              <a:rPr kumimoji="1" lang="en-US" altLang="zh-CN" sz="1400"/>
+              <a:t>3</a:t>
+            </a:r>
+            <a:r>
+              <a:rPr kumimoji="1" lang="zh-CN" altLang="en-US" sz="1400"/>
+              <a:t>、钉钉群语音或文字分享</a:t>
+            </a:r>
+            <a:r>
+              <a:rPr kumimoji="1" lang="en-US" altLang="zh-CN" sz="1400"/>
+              <a:t>(</a:t>
+            </a:r>
+            <a:r>
+              <a:rPr kumimoji="1" lang="zh-CN" altLang="en-US" sz="1400"/>
+              <a:t>分享错题总结</a:t>
+            </a:r>
+            <a:r>
+              <a:rPr kumimoji="1" lang="en-US" altLang="zh-CN" sz="1400"/>
+              <a:t>, </a:t>
+            </a:r>
+            <a:r>
+              <a:rPr kumimoji="1" lang="zh-CN" altLang="en-US" sz="1400"/>
+              <a:t>考了什么知识点</a:t>
+            </a:r>
+            <a:r>
+              <a:rPr kumimoji="1" lang="en-US" altLang="zh-CN" sz="1400"/>
+              <a:t>, </a:t>
+            </a:r>
+            <a:r>
+              <a:rPr kumimoji="1" lang="zh-CN" altLang="en-US" sz="1400"/>
+              <a:t>回顾错误</a:t>
+            </a:r>
+            <a:r>
+              <a:rPr kumimoji="1" lang="en-US" altLang="zh-CN" sz="1400"/>
+              <a:t>, </a:t>
+            </a:r>
+            <a:r>
+              <a:rPr kumimoji="1" lang="zh-CN" altLang="en-US" sz="1400"/>
+              <a:t>正确的解法</a:t>
+            </a:r>
+            <a:r>
+              <a:rPr kumimoji="1" lang="en-US" altLang="zh-CN" sz="1400"/>
+              <a:t>, </a:t>
+            </a:r>
+            <a:r>
+              <a:rPr kumimoji="1" lang="zh-CN" altLang="en-US" sz="1400"/>
+              <a:t>总结这种题型的坑在哪</a:t>
+            </a:r>
+            <a:r>
+              <a:rPr kumimoji="1" lang="en-US" altLang="zh-CN" sz="1400"/>
+              <a:t>)</a:t>
+            </a:r>
+          </a:p>
+          <a:p>
+            <a:pPr lvl="1"/>
+            <a:r>
+              <a:rPr kumimoji="1" lang="en-US" altLang="zh-CN" sz="1400"/>
+              <a:t>4</a:t>
+            </a:r>
+            <a:r>
+              <a:rPr kumimoji="1" lang="zh-CN" altLang="en-US" sz="1400"/>
+              <a:t>、准备专用备忘本</a:t>
+            </a:r>
+            <a:r>
+              <a:rPr kumimoji="1" lang="en-US" altLang="zh-CN" sz="1400"/>
+              <a:t>, </a:t>
+            </a:r>
+            <a:r>
+              <a:rPr kumimoji="1" lang="zh-CN" altLang="en-US" sz="1400"/>
+              <a:t>实时记录需要完成的作业</a:t>
+            </a:r>
+            <a:r>
+              <a:rPr kumimoji="1" lang="en-US" altLang="zh-CN" sz="1400"/>
+              <a:t>, </a:t>
+            </a:r>
+            <a:r>
+              <a:rPr kumimoji="1" lang="zh-CN" altLang="en-US" sz="1400"/>
+              <a:t>交作业的时间</a:t>
+            </a:r>
+            <a:r>
+              <a:rPr kumimoji="1" lang="en-US" altLang="zh-CN" sz="1400"/>
+              <a:t>, </a:t>
+            </a:r>
+            <a:r>
+              <a:rPr kumimoji="1" lang="zh-CN" altLang="en-US" sz="1400"/>
+              <a:t>做到不需要家长提醒</a:t>
+            </a:r>
+            <a:r>
+              <a:rPr kumimoji="1" lang="en-US" altLang="zh-CN" sz="1400"/>
+              <a:t>. </a:t>
+            </a:r>
+          </a:p>
+          <a:p>
+            <a:pPr lvl="1"/>
+            <a:r>
+              <a:rPr kumimoji="1" lang="en-US" altLang="zh-CN" sz="1400"/>
+              <a:t>5</a:t>
+            </a:r>
+            <a:r>
+              <a:rPr kumimoji="1" lang="zh-CN" altLang="en-US" sz="1400"/>
+              <a:t>、按计划完成作业</a:t>
+            </a:r>
+            <a:r>
+              <a:rPr kumimoji="1" lang="en-US" altLang="zh-CN" sz="1400"/>
+              <a:t>, </a:t>
+            </a:r>
+            <a:r>
+              <a:rPr kumimoji="1" lang="zh-CN" altLang="en-US" sz="1400"/>
+              <a:t>记录开始时间</a:t>
+            </a:r>
+            <a:r>
+              <a:rPr kumimoji="1" lang="en-US" altLang="zh-CN" sz="1400"/>
+              <a:t>, </a:t>
+            </a:r>
+            <a:r>
+              <a:rPr kumimoji="1" lang="zh-CN" altLang="en-US" sz="1400"/>
+              <a:t>结束时间</a:t>
+            </a:r>
+            <a:r>
+              <a:rPr kumimoji="1" lang="en-US" altLang="zh-CN" sz="1400"/>
+              <a:t>, </a:t>
+            </a:r>
+            <a:r>
+              <a:rPr kumimoji="1" lang="zh-CN" altLang="en-US" sz="1400"/>
+              <a:t>提高完成效率</a:t>
+            </a:r>
+            <a:r>
+              <a:rPr kumimoji="1" lang="en-US" altLang="zh-CN" sz="1400"/>
+              <a:t>, </a:t>
+            </a:r>
+            <a:r>
+              <a:rPr kumimoji="1" lang="zh-CN" altLang="en-US" sz="1400"/>
+              <a:t>提高规律性</a:t>
+            </a:r>
+            <a:r>
+              <a:rPr kumimoji="1" lang="en-US" altLang="zh-CN" sz="1400"/>
+              <a:t>, </a:t>
+            </a:r>
+            <a:r>
+              <a:rPr kumimoji="1" lang="zh-CN" altLang="en-US" sz="1400"/>
+              <a:t>养成习惯</a:t>
+            </a:r>
+            <a:r>
+              <a:rPr kumimoji="1" lang="en-US" altLang="zh-CN" sz="1400"/>
+              <a:t>. </a:t>
+            </a:r>
+          </a:p>
+          <a:p>
+            <a:pPr lvl="1"/>
+            <a:r>
+              <a:rPr kumimoji="1" lang="en-US" altLang="zh-CN" sz="1400"/>
+              <a:t>6</a:t>
+            </a:r>
+            <a:r>
+              <a:rPr kumimoji="1" lang="zh-CN" altLang="en-US" sz="1400"/>
+              <a:t>、每天睡觉前整理房间 </a:t>
+            </a:r>
+          </a:p>
+          <a:p>
+            <a:pPr lvl="1"/>
+            <a:r>
+              <a:rPr kumimoji="1" lang="en-US" altLang="zh-CN" sz="1400"/>
+              <a:t>7</a:t>
+            </a:r>
+            <a:r>
+              <a:rPr kumimoji="1" lang="zh-CN" altLang="en-US" sz="1400"/>
+              <a:t>、减少粗心错误</a:t>
+            </a:r>
+            <a:r>
+              <a:rPr kumimoji="1" lang="en-US" altLang="zh-CN" sz="1400"/>
+              <a:t>, </a:t>
+            </a:r>
+            <a:r>
+              <a:rPr kumimoji="1" lang="zh-CN" altLang="en-US" sz="1400"/>
+              <a:t>提高考试、作业字面清晰、整洁 </a:t>
+            </a:r>
+          </a:p>
+          <a:p>
+            <a:pPr lvl="1"/>
+            <a:r>
+              <a:rPr kumimoji="1" lang="en-US" altLang="zh-CN" sz="1400"/>
+              <a:t>8</a:t>
+            </a:r>
+            <a:r>
+              <a:rPr kumimoji="1" lang="zh-CN" altLang="en-US" sz="1400"/>
+              <a:t>、非工作日</a:t>
+            </a:r>
+            <a:r>
+              <a:rPr kumimoji="1" lang="en-US" altLang="zh-CN" sz="1400"/>
+              <a:t>: 10</a:t>
+            </a:r>
+            <a:r>
+              <a:rPr kumimoji="1" lang="zh-CN" altLang="en-US" sz="1400"/>
+              <a:t>个引体向上</a:t>
+            </a:r>
+            <a:r>
+              <a:rPr kumimoji="1" lang="en-US" altLang="zh-CN" sz="1400"/>
+              <a:t>, </a:t>
+            </a:r>
+            <a:r>
+              <a:rPr kumimoji="1" lang="zh-CN" altLang="en-US" sz="1400"/>
+              <a:t>跑</a:t>
+            </a:r>
+            <a:r>
+              <a:rPr kumimoji="1" lang="en-US" altLang="zh-CN" sz="1400"/>
+              <a:t>1</a:t>
+            </a:r>
+            <a:r>
+              <a:rPr kumimoji="1" lang="zh-CN" altLang="en-US" sz="1400"/>
+              <a:t>公里</a:t>
+            </a:r>
+            <a:r>
+              <a:rPr kumimoji="1" lang="en-US" altLang="zh-CN" sz="1400"/>
+              <a:t>, 30</a:t>
+            </a:r>
+            <a:r>
+              <a:rPr kumimoji="1" lang="zh-CN" altLang="en-US" sz="1400"/>
+              <a:t>个生蹲</a:t>
+            </a:r>
+            <a:r>
+              <a:rPr kumimoji="1" lang="en-US" altLang="zh-CN" sz="1400"/>
+              <a:t>.   </a:t>
+            </a:r>
+            <a:r>
+              <a:rPr kumimoji="1" lang="zh-CN" altLang="en-US" sz="1400"/>
+              <a:t>工作日晚上</a:t>
+            </a:r>
+            <a:r>
+              <a:rPr kumimoji="1" lang="en-US" altLang="zh-CN" sz="1400"/>
+              <a:t>: 10</a:t>
+            </a:r>
+            <a:r>
+              <a:rPr kumimoji="1" lang="zh-CN" altLang="en-US" sz="1400"/>
+              <a:t>个引体向上</a:t>
+            </a:r>
+            <a:r>
+              <a:rPr kumimoji="1" lang="en-US" altLang="zh-CN" sz="1400"/>
+              <a:t>, 30</a:t>
+            </a:r>
+            <a:r>
+              <a:rPr kumimoji="1" lang="zh-CN" altLang="en-US" sz="1400"/>
+              <a:t>个生蹲</a:t>
+            </a:r>
+            <a:r>
+              <a:rPr kumimoji="1" lang="en-US" altLang="zh-CN" sz="1400"/>
+              <a:t>.  </a:t>
+            </a:r>
+          </a:p>
+          <a:p>
+            <a:pPr lvl="1"/>
+            <a:r>
+              <a:rPr kumimoji="1" lang="en-US" altLang="zh-CN" sz="1400"/>
+              <a:t>9</a:t>
+            </a:r>
+            <a:r>
+              <a:rPr kumimoji="1" lang="zh-CN" altLang="en-US" sz="1400"/>
+              <a:t>、每天的作业本、试卷必须带回家给家长检查</a:t>
+            </a:r>
+            <a:endParaRPr kumimoji="1" lang="en-US" altLang="zh-CN" sz="1400"/>
           </a:p>
           <a:p>
             <a:r>
               <a:rPr kumimoji="1" lang="zh-CN" altLang="en-US" sz="1800"/>
-              <a:t>家长制定计划</a:t>
+              <a:t>家长</a:t>
             </a:r>
             <a:endParaRPr kumimoji="1" lang="en-US" altLang="zh-CN" sz="1800"/>
           </a:p>
           <a:p>
             <a:pPr lvl="1"/>
             <a:r>
-              <a:rPr kumimoji="1" lang="zh-CN" altLang="en-US" sz="1600"/>
-              <a:t>没有计划</a:t>
-            </a:r>
-            <a:endParaRPr kumimoji="1" lang="en-US" altLang="zh-CN" sz="1600"/>
-          </a:p>
-          <a:p>
-            <a:r>
-              <a:rPr kumimoji="1" lang="zh-CN" altLang="en-US" sz="1800" b="1"/>
-              <a:t>错误问题记录本、未理解知识点记录本、钉钉分享</a:t>
-            </a:r>
-            <a:r>
-              <a:rPr kumimoji="1" lang="en-US" altLang="zh-CN" sz="1800"/>
-              <a:t>.</a:t>
-            </a:r>
-            <a:r>
-              <a:rPr kumimoji="1" lang="zh-CN" altLang="en-US" sz="1800"/>
-              <a:t> </a:t>
-            </a:r>
-            <a:endParaRPr kumimoji="1" lang="en-US" altLang="zh-CN" sz="1800"/>
-          </a:p>
-          <a:p>
-            <a:pPr lvl="1"/>
-            <a:r>
-              <a:rPr kumimoji="1" lang="zh-CN" altLang="en-US" sz="1600"/>
-              <a:t>没有解决的问题放任不管</a:t>
-            </a:r>
-            <a:r>
-              <a:rPr kumimoji="1" lang="en-US" altLang="zh-CN" sz="1600"/>
-              <a:t>,</a:t>
-            </a:r>
-            <a:r>
-              <a:rPr kumimoji="1" lang="zh-CN" altLang="en-US" sz="1600"/>
-              <a:t> 不愿意深度思考</a:t>
-            </a:r>
-            <a:r>
-              <a:rPr kumimoji="1" lang="en-US" altLang="zh-CN" sz="1600"/>
-              <a:t>,</a:t>
-            </a:r>
-            <a:r>
-              <a:rPr kumimoji="1" lang="zh-CN" altLang="en-US" sz="1600"/>
-              <a:t> 不愿意和同学交流问题</a:t>
-            </a:r>
-            <a:endParaRPr kumimoji="1" lang="en-US" altLang="zh-CN" sz="1600"/>
-          </a:p>
-          <a:p>
-            <a:pPr lvl="1"/>
-            <a:r>
-              <a:rPr kumimoji="1" lang="zh-CN" altLang="en-US" sz="1600"/>
-              <a:t>没有总结的习惯</a:t>
-            </a:r>
-          </a:p>
-          <a:p>
-            <a:r>
-              <a:rPr kumimoji="1" lang="zh-CN" altLang="en-US" sz="1800"/>
-              <a:t>规定作业完成时间段、正确率</a:t>
-            </a:r>
-            <a:endParaRPr kumimoji="1" lang="en-US" altLang="zh-CN" sz="1800"/>
-          </a:p>
-          <a:p>
-            <a:pPr lvl="1"/>
-            <a:r>
-              <a:rPr kumimoji="1" lang="zh-CN" altLang="en-US" sz="1600"/>
-              <a:t>粗心</a:t>
-            </a:r>
-          </a:p>
-          <a:p>
-            <a:pPr lvl="1"/>
-            <a:r>
-              <a:rPr kumimoji="1" lang="zh-CN" altLang="en-US" sz="1600"/>
-              <a:t>不能长时间集中精神</a:t>
-            </a:r>
-            <a:endParaRPr kumimoji="1" lang="en-US" altLang="zh-CN" sz="1600"/>
-          </a:p>
-          <a:p>
-            <a:r>
-              <a:rPr kumimoji="1" lang="zh-CN" altLang="en-US" sz="1800"/>
-              <a:t>对标班级样本</a:t>
-            </a:r>
-            <a:r>
-              <a:rPr kumimoji="1" lang="en-US" altLang="zh-CN" sz="1800"/>
-              <a:t>,</a:t>
-            </a:r>
-            <a:r>
-              <a:rPr kumimoji="1" lang="zh-CN" altLang="en-US" sz="1800"/>
-              <a:t> 对比</a:t>
-            </a:r>
-            <a:r>
-              <a:rPr kumimoji="1" lang="en-US" altLang="zh-CN" sz="1800"/>
-              <a:t>xxx.</a:t>
-            </a:r>
-            <a:r>
-              <a:rPr kumimoji="1" lang="zh-CN" altLang="en-US" sz="1800"/>
-              <a:t> 作业、卷子达到同等水准</a:t>
-            </a:r>
-            <a:endParaRPr kumimoji="1" lang="en-US" altLang="zh-CN" sz="1800"/>
-          </a:p>
-          <a:p>
-            <a:pPr lvl="1"/>
-            <a:r>
-              <a:rPr kumimoji="1" lang="zh-CN" altLang="en-US" sz="1400"/>
-              <a:t>字不好</a:t>
-            </a:r>
-            <a:endParaRPr kumimoji="1" lang="en-US" altLang="zh-CN" sz="1400"/>
-          </a:p>
-          <a:p>
-            <a:r>
-              <a:rPr kumimoji="1" lang="zh-CN" altLang="en-US" sz="1800" b="1"/>
-              <a:t>备忘本</a:t>
-            </a:r>
-            <a:r>
-              <a:rPr kumimoji="1" lang="en-US" altLang="zh-CN" sz="1800"/>
-              <a:t>,</a:t>
-            </a:r>
-            <a:r>
-              <a:rPr kumimoji="1" lang="zh-CN" altLang="en-US" sz="1800"/>
-              <a:t> 无法立即完成的事情先记录下来</a:t>
-            </a:r>
-            <a:r>
-              <a:rPr kumimoji="1" lang="en-US" altLang="zh-CN" sz="1800"/>
-              <a:t>,</a:t>
-            </a:r>
-            <a:r>
-              <a:rPr kumimoji="1" lang="zh-CN" altLang="en-US" sz="1800"/>
-              <a:t> 做完后标记已完成</a:t>
-            </a:r>
-            <a:endParaRPr kumimoji="1" lang="en-US" altLang="zh-CN" sz="1800"/>
-          </a:p>
-          <a:p>
-            <a:pPr lvl="1"/>
-            <a:r>
-              <a:rPr kumimoji="1" lang="zh-CN" altLang="en-US" sz="1400"/>
-              <a:t>丢三落四</a:t>
+              <a:rPr kumimoji="1" lang="en-US" altLang="zh-CN" sz="1400"/>
+              <a:t>1</a:t>
+            </a:r>
+            <a:r>
+              <a:rPr kumimoji="1" lang="zh-CN" altLang="en-US" sz="1400"/>
+              <a:t>、批作业</a:t>
+            </a:r>
+          </a:p>
+          <a:p>
+            <a:pPr lvl="1"/>
+            <a:r>
+              <a:rPr kumimoji="1" lang="en-US" altLang="zh-CN" sz="1400"/>
+              <a:t>2</a:t>
+            </a:r>
+            <a:r>
+              <a:rPr kumimoji="1" lang="zh-CN" altLang="en-US" sz="1400"/>
+              <a:t>、学生思考、与同学交流后还是不会做的错题讲解</a:t>
+            </a:r>
+          </a:p>
+          <a:p>
+            <a:pPr lvl="1"/>
+            <a:r>
+              <a:rPr kumimoji="1" lang="en-US" altLang="zh-CN" sz="1400"/>
+              <a:t>3</a:t>
+            </a:r>
+            <a:r>
+              <a:rPr kumimoji="1" lang="zh-CN" altLang="en-US" sz="1400"/>
+              <a:t>、学生思考、与同学交流后还是未理解的知识点讲解</a:t>
+            </a:r>
+          </a:p>
+          <a:p>
+            <a:pPr lvl="1"/>
+            <a:r>
+              <a:rPr kumimoji="1" lang="en-US" altLang="zh-CN" sz="1400"/>
+              <a:t>4</a:t>
+            </a:r>
+            <a:r>
+              <a:rPr kumimoji="1" lang="zh-CN" altLang="en-US" sz="1400"/>
+              <a:t>、记录数据看板</a:t>
+            </a:r>
+          </a:p>
+          <a:p>
+            <a:pPr lvl="1"/>
+            <a:r>
+              <a:rPr kumimoji="1" lang="en-US" altLang="zh-CN" sz="1400"/>
+              <a:t>5</a:t>
+            </a:r>
+            <a:r>
+              <a:rPr kumimoji="1" lang="zh-CN" altLang="en-US" sz="1400"/>
+              <a:t>、监督各项完成情况</a:t>
+            </a:r>
+          </a:p>
+          <a:p>
+            <a:pPr lvl="1"/>
+            <a:r>
+              <a:rPr kumimoji="1" lang="en-US" altLang="zh-CN" sz="1400"/>
+              <a:t>6</a:t>
+            </a:r>
+            <a:r>
+              <a:rPr kumimoji="1" lang="zh-CN" altLang="en-US" sz="1400"/>
+              <a:t>、周、月数据</a:t>
+            </a:r>
+            <a:r>
+              <a:rPr kumimoji="1" lang="en" altLang="zh-CN" sz="1400"/>
+              <a:t>review</a:t>
             </a:r>
             <a:r>
               <a:rPr kumimoji="1" lang="en-US" altLang="zh-CN" sz="1400"/>
@@ -4508,64 +4911,15 @@
             </a:r>
             <a:r>
               <a:rPr kumimoji="1" lang="zh-CN" altLang="en-US" sz="1400"/>
-              <a:t> 老师布置的作业不关心</a:t>
-            </a:r>
-            <a:r>
-              <a:rPr kumimoji="1" lang="en-US" altLang="zh-CN" sz="1400"/>
-              <a:t>,</a:t>
-            </a:r>
-            <a:r>
-              <a:rPr kumimoji="1" lang="zh-CN" altLang="en-US" sz="1400"/>
-              <a:t> 辅导班布置的作业不关心</a:t>
-            </a:r>
-            <a:endParaRPr kumimoji="1" lang="en-US" altLang="zh-CN" sz="1400"/>
-          </a:p>
-          <a:p>
-            <a:r>
-              <a:rPr kumimoji="1" lang="zh-CN" altLang="en-US" sz="1800"/>
-              <a:t>每天检查</a:t>
-            </a:r>
-            <a:r>
-              <a:rPr kumimoji="1" lang="en-US" altLang="zh-CN" sz="1800"/>
-              <a:t>,</a:t>
-            </a:r>
-            <a:r>
-              <a:rPr kumimoji="1" lang="zh-CN" altLang="en-US" sz="1800"/>
-              <a:t> 记分</a:t>
-            </a:r>
-            <a:r>
-              <a:rPr kumimoji="1" lang="en-US" altLang="zh-CN" sz="1800"/>
-              <a:t>(</a:t>
-            </a:r>
-            <a:r>
-              <a:rPr kumimoji="1" lang="zh-CN" altLang="en-US" sz="1800"/>
-              <a:t>详细记录丢分项</a:t>
-            </a:r>
-            <a:r>
-              <a:rPr kumimoji="1" lang="en-US" altLang="zh-CN" sz="1800"/>
-              <a:t>)</a:t>
-            </a:r>
-          </a:p>
-          <a:p>
-            <a:pPr lvl="1"/>
-            <a:r>
-              <a:rPr kumimoji="1" lang="zh-CN" altLang="en-US" sz="1400"/>
-              <a:t>房间脏乱差</a:t>
-            </a:r>
-            <a:endParaRPr kumimoji="1" lang="en-US" altLang="zh-CN" sz="1400"/>
-          </a:p>
-          <a:p>
-            <a:endParaRPr kumimoji="1" lang="en-US" altLang="zh-CN" sz="1800"/>
-          </a:p>
-          <a:p>
-            <a:endParaRPr kumimoji="1" lang="zh-CN" altLang="en-US" sz="1800"/>
+              <a:t> 调整计划</a:t>
+            </a:r>
           </a:p>
         </p:txBody>
       </p:sp>
     </p:spTree>
     <p:extLst>
       <p:ext uri="{BB962C8B-B14F-4D97-AF65-F5344CB8AC3E}">
-        <p14:creationId xmlns:p14="http://schemas.microsoft.com/office/powerpoint/2010/main" val="250819689"/>
+        <p14:creationId xmlns:p14="http://schemas.microsoft.com/office/powerpoint/2010/main" val="904106947"/>
       </p:ext>
     </p:extLst>
   </p:cSld>
@@ -4597,552 +4951,6 @@
           <p:cNvPr id="2" name="标题 1">
             <a:extLst>
               <a:ext uri="{FF2B5EF4-FFF2-40B4-BE49-F238E27FC236}">
-                <a16:creationId xmlns:a16="http://schemas.microsoft.com/office/drawing/2014/main" id="{5CBFB286-DAEC-614D-AF30-64E393C21CA6}"/>
-              </a:ext>
-            </a:extLst>
-          </p:cNvPr>
-          <p:cNvSpPr>
-            <a:spLocks noGrp="1"/>
-          </p:cNvSpPr>
-          <p:nvPr>
-            <p:ph type="title"/>
-          </p:nvPr>
-        </p:nvSpPr>
-        <p:spPr/>
-        <p:txBody>
-          <a:bodyPr/>
-          <a:lstStyle/>
-          <a:p>
-            <a:r>
-              <a:rPr kumimoji="1" lang="zh-CN" altLang="en-US"/>
-              <a:t>执行标准</a:t>
-            </a:r>
-          </a:p>
-        </p:txBody>
-      </p:sp>
-      <p:sp>
-        <p:nvSpPr>
-          <p:cNvPr id="3" name="内容占位符 2">
-            <a:extLst>
-              <a:ext uri="{FF2B5EF4-FFF2-40B4-BE49-F238E27FC236}">
-                <a16:creationId xmlns:a16="http://schemas.microsoft.com/office/drawing/2014/main" id="{2E47F57F-89F4-7740-AE75-B731E47C14BF}"/>
-              </a:ext>
-            </a:extLst>
-          </p:cNvPr>
-          <p:cNvSpPr>
-            <a:spLocks noGrp="1"/>
-          </p:cNvSpPr>
-          <p:nvPr>
-            <p:ph idx="1"/>
-          </p:nvPr>
-        </p:nvSpPr>
-        <p:spPr/>
-        <p:txBody>
-          <a:bodyPr>
-            <a:noAutofit/>
-          </a:bodyPr>
-          <a:lstStyle/>
-          <a:p>
-            <a:r>
-              <a:rPr kumimoji="1" lang="zh-CN" altLang="en-US" sz="1800"/>
-              <a:t>学生</a:t>
-            </a:r>
-            <a:endParaRPr kumimoji="1" lang="en-US" altLang="zh-CN" sz="1800"/>
-          </a:p>
-          <a:p>
-            <a:pPr lvl="1"/>
-            <a:r>
-              <a:rPr kumimoji="1" lang="en-US" altLang="zh-CN" sz="1400"/>
-              <a:t>1</a:t>
-            </a:r>
-            <a:r>
-              <a:rPr kumimoji="1" lang="zh-CN" altLang="en-US" sz="1400"/>
-              <a:t>、准备专用未理解知识点记录本</a:t>
-            </a:r>
-            <a:r>
-              <a:rPr kumimoji="1" lang="en-US" altLang="zh-CN" sz="1400"/>
-              <a:t>, </a:t>
-            </a:r>
-            <a:r>
-              <a:rPr kumimoji="1" lang="zh-CN" altLang="en-US" sz="1400"/>
-              <a:t>分年级</a:t>
-            </a:r>
-            <a:r>
-              <a:rPr kumimoji="1" lang="en-US" altLang="zh-CN" sz="1400"/>
-              <a:t>, </a:t>
-            </a:r>
-            <a:r>
-              <a:rPr kumimoji="1" lang="zh-CN" altLang="en-US" sz="1400"/>
-              <a:t>分科目</a:t>
-            </a:r>
-            <a:r>
-              <a:rPr kumimoji="1" lang="en-US" altLang="zh-CN" sz="1400"/>
-              <a:t>, </a:t>
-            </a:r>
-            <a:r>
-              <a:rPr kumimoji="1" lang="zh-CN" altLang="en-US" sz="1400"/>
-              <a:t>分章节</a:t>
-            </a:r>
-            <a:r>
-              <a:rPr kumimoji="1" lang="en-US" altLang="zh-CN" sz="1400"/>
-              <a:t>. </a:t>
-            </a:r>
-            <a:r>
-              <a:rPr kumimoji="1" lang="zh-CN" altLang="en-US" sz="1400"/>
-              <a:t>整理未理解知识点</a:t>
-            </a:r>
-            <a:r>
-              <a:rPr kumimoji="1" lang="en-US" altLang="zh-CN" sz="1400"/>
-              <a:t>, </a:t>
-            </a:r>
-            <a:r>
-              <a:rPr kumimoji="1" lang="zh-CN" altLang="en-US" sz="1400"/>
-              <a:t>分享</a:t>
-            </a:r>
-            <a:r>
-              <a:rPr kumimoji="1" lang="en-US" altLang="zh-CN" sz="1400"/>
-              <a:t>. </a:t>
-            </a:r>
-          </a:p>
-          <a:p>
-            <a:pPr lvl="1"/>
-            <a:r>
-              <a:rPr kumimoji="1" lang="en-US" altLang="zh-CN" sz="1400"/>
-              <a:t>2</a:t>
-            </a:r>
-            <a:r>
-              <a:rPr kumimoji="1" lang="zh-CN" altLang="en-US" sz="1400"/>
-              <a:t>、准备专用错题集合记录本</a:t>
-            </a:r>
-            <a:r>
-              <a:rPr kumimoji="1" lang="en-US" altLang="zh-CN" sz="1400"/>
-              <a:t>, </a:t>
-            </a:r>
-            <a:r>
-              <a:rPr kumimoji="1" lang="zh-CN" altLang="en-US" sz="1400"/>
-              <a:t>分年级</a:t>
-            </a:r>
-            <a:r>
-              <a:rPr kumimoji="1" lang="en-US" altLang="zh-CN" sz="1400"/>
-              <a:t>, </a:t>
-            </a:r>
-            <a:r>
-              <a:rPr kumimoji="1" lang="zh-CN" altLang="en-US" sz="1400"/>
-              <a:t>分科目</a:t>
-            </a:r>
-            <a:r>
-              <a:rPr kumimoji="1" lang="en-US" altLang="zh-CN" sz="1400"/>
-              <a:t>, </a:t>
-            </a:r>
-            <a:r>
-              <a:rPr kumimoji="1" lang="zh-CN" altLang="en-US" sz="1400"/>
-              <a:t>分章节</a:t>
-            </a:r>
-            <a:r>
-              <a:rPr kumimoji="1" lang="en-US" altLang="zh-CN" sz="1400"/>
-              <a:t>. </a:t>
-            </a:r>
-            <a:r>
-              <a:rPr kumimoji="1" lang="zh-CN" altLang="en-US" sz="1400"/>
-              <a:t>整理错误题目</a:t>
-            </a:r>
-            <a:r>
-              <a:rPr kumimoji="1" lang="en-US" altLang="zh-CN" sz="1400"/>
-              <a:t>, </a:t>
-            </a:r>
-            <a:r>
-              <a:rPr kumimoji="1" lang="zh-CN" altLang="en-US" sz="1400"/>
-              <a:t>分享</a:t>
-            </a:r>
-            <a:r>
-              <a:rPr kumimoji="1" lang="en-US" altLang="zh-CN" sz="1400"/>
-              <a:t>.  </a:t>
-            </a:r>
-          </a:p>
-          <a:p>
-            <a:pPr lvl="1"/>
-            <a:r>
-              <a:rPr kumimoji="1" lang="en-US" altLang="zh-CN" sz="1400"/>
-              <a:t>3</a:t>
-            </a:r>
-            <a:r>
-              <a:rPr kumimoji="1" lang="zh-CN" altLang="en-US" sz="1400"/>
-              <a:t>、钉钉群语音或文字分享</a:t>
-            </a:r>
-            <a:r>
-              <a:rPr kumimoji="1" lang="en-US" altLang="zh-CN" sz="1400"/>
-              <a:t>(</a:t>
-            </a:r>
-            <a:r>
-              <a:rPr kumimoji="1" lang="zh-CN" altLang="en-US" sz="1400"/>
-              <a:t>分享错题总结</a:t>
-            </a:r>
-            <a:r>
-              <a:rPr kumimoji="1" lang="en-US" altLang="zh-CN" sz="1400"/>
-              <a:t>, </a:t>
-            </a:r>
-            <a:r>
-              <a:rPr kumimoji="1" lang="zh-CN" altLang="en-US" sz="1400"/>
-              <a:t>考了什么知识点</a:t>
-            </a:r>
-            <a:r>
-              <a:rPr kumimoji="1" lang="en-US" altLang="zh-CN" sz="1400"/>
-              <a:t>, </a:t>
-            </a:r>
-            <a:r>
-              <a:rPr kumimoji="1" lang="zh-CN" altLang="en-US" sz="1400"/>
-              <a:t>回顾错误</a:t>
-            </a:r>
-            <a:r>
-              <a:rPr kumimoji="1" lang="en-US" altLang="zh-CN" sz="1400"/>
-              <a:t>, </a:t>
-            </a:r>
-            <a:r>
-              <a:rPr kumimoji="1" lang="zh-CN" altLang="en-US" sz="1400"/>
-              <a:t>正确的解法</a:t>
-            </a:r>
-            <a:r>
-              <a:rPr kumimoji="1" lang="en-US" altLang="zh-CN" sz="1400"/>
-              <a:t>, </a:t>
-            </a:r>
-            <a:r>
-              <a:rPr kumimoji="1" lang="zh-CN" altLang="en-US" sz="1400"/>
-              <a:t>总结这种题型的坑在哪</a:t>
-            </a:r>
-            <a:r>
-              <a:rPr kumimoji="1" lang="en-US" altLang="zh-CN" sz="1400"/>
-              <a:t>)</a:t>
-            </a:r>
-          </a:p>
-          <a:p>
-            <a:pPr lvl="1"/>
-            <a:r>
-              <a:rPr kumimoji="1" lang="en-US" altLang="zh-CN" sz="1400"/>
-              <a:t>4</a:t>
-            </a:r>
-            <a:r>
-              <a:rPr kumimoji="1" lang="zh-CN" altLang="en-US" sz="1400"/>
-              <a:t>、准备专用备忘本</a:t>
-            </a:r>
-            <a:r>
-              <a:rPr kumimoji="1" lang="en-US" altLang="zh-CN" sz="1400"/>
-              <a:t>, </a:t>
-            </a:r>
-            <a:r>
-              <a:rPr kumimoji="1" lang="zh-CN" altLang="en-US" sz="1400"/>
-              <a:t>实时记录需要完成的作业</a:t>
-            </a:r>
-            <a:r>
-              <a:rPr kumimoji="1" lang="en-US" altLang="zh-CN" sz="1400"/>
-              <a:t>, </a:t>
-            </a:r>
-            <a:r>
-              <a:rPr kumimoji="1" lang="zh-CN" altLang="en-US" sz="1400"/>
-              <a:t>交作业的时间</a:t>
-            </a:r>
-            <a:r>
-              <a:rPr kumimoji="1" lang="en-US" altLang="zh-CN" sz="1400"/>
-              <a:t>, </a:t>
-            </a:r>
-            <a:r>
-              <a:rPr kumimoji="1" lang="zh-CN" altLang="en-US" sz="1400"/>
-              <a:t>做到不需要家长提醒</a:t>
-            </a:r>
-            <a:r>
-              <a:rPr kumimoji="1" lang="en-US" altLang="zh-CN" sz="1400"/>
-              <a:t>. </a:t>
-            </a:r>
-          </a:p>
-          <a:p>
-            <a:pPr lvl="1"/>
-            <a:r>
-              <a:rPr kumimoji="1" lang="en-US" altLang="zh-CN" sz="1400"/>
-              <a:t>5</a:t>
-            </a:r>
-            <a:r>
-              <a:rPr kumimoji="1" lang="zh-CN" altLang="en-US" sz="1400"/>
-              <a:t>、按计划完成作业</a:t>
-            </a:r>
-            <a:r>
-              <a:rPr kumimoji="1" lang="en-US" altLang="zh-CN" sz="1400"/>
-              <a:t>, </a:t>
-            </a:r>
-            <a:r>
-              <a:rPr kumimoji="1" lang="zh-CN" altLang="en-US" sz="1400"/>
-              <a:t>记录开始时间</a:t>
-            </a:r>
-            <a:r>
-              <a:rPr kumimoji="1" lang="en-US" altLang="zh-CN" sz="1400"/>
-              <a:t>, </a:t>
-            </a:r>
-            <a:r>
-              <a:rPr kumimoji="1" lang="zh-CN" altLang="en-US" sz="1400"/>
-              <a:t>结束时间</a:t>
-            </a:r>
-            <a:r>
-              <a:rPr kumimoji="1" lang="en-US" altLang="zh-CN" sz="1400"/>
-              <a:t>, </a:t>
-            </a:r>
-            <a:r>
-              <a:rPr kumimoji="1" lang="zh-CN" altLang="en-US" sz="1400"/>
-              <a:t>提高完成效率</a:t>
-            </a:r>
-            <a:r>
-              <a:rPr kumimoji="1" lang="en-US" altLang="zh-CN" sz="1400"/>
-              <a:t>, </a:t>
-            </a:r>
-            <a:r>
-              <a:rPr kumimoji="1" lang="zh-CN" altLang="en-US" sz="1400"/>
-              <a:t>提高规律性</a:t>
-            </a:r>
-            <a:r>
-              <a:rPr kumimoji="1" lang="en-US" altLang="zh-CN" sz="1400"/>
-              <a:t>, </a:t>
-            </a:r>
-            <a:r>
-              <a:rPr kumimoji="1" lang="zh-CN" altLang="en-US" sz="1400"/>
-              <a:t>养成习惯</a:t>
-            </a:r>
-            <a:r>
-              <a:rPr kumimoji="1" lang="en-US" altLang="zh-CN" sz="1400"/>
-              <a:t>. </a:t>
-            </a:r>
-          </a:p>
-          <a:p>
-            <a:pPr lvl="1"/>
-            <a:r>
-              <a:rPr kumimoji="1" lang="en-US" altLang="zh-CN" sz="1400"/>
-              <a:t>6</a:t>
-            </a:r>
-            <a:r>
-              <a:rPr kumimoji="1" lang="zh-CN" altLang="en-US" sz="1400"/>
-              <a:t>、每天睡觉前整理房间 </a:t>
-            </a:r>
-          </a:p>
-          <a:p>
-            <a:pPr lvl="1"/>
-            <a:r>
-              <a:rPr kumimoji="1" lang="en-US" altLang="zh-CN" sz="1400"/>
-              <a:t>7</a:t>
-            </a:r>
-            <a:r>
-              <a:rPr kumimoji="1" lang="zh-CN" altLang="en-US" sz="1400"/>
-              <a:t>、减少粗心错误</a:t>
-            </a:r>
-            <a:r>
-              <a:rPr kumimoji="1" lang="en-US" altLang="zh-CN" sz="1400"/>
-              <a:t>, </a:t>
-            </a:r>
-            <a:r>
-              <a:rPr kumimoji="1" lang="zh-CN" altLang="en-US" sz="1400"/>
-              <a:t>提高考试、作业字面清晰、整洁 </a:t>
-            </a:r>
-          </a:p>
-          <a:p>
-            <a:pPr lvl="1"/>
-            <a:r>
-              <a:rPr kumimoji="1" lang="en-US" altLang="zh-CN" sz="1400"/>
-              <a:t>8</a:t>
-            </a:r>
-            <a:r>
-              <a:rPr kumimoji="1" lang="zh-CN" altLang="en-US" sz="1400"/>
-              <a:t>、非工作日</a:t>
-            </a:r>
-            <a:r>
-              <a:rPr kumimoji="1" lang="en-US" altLang="zh-CN" sz="1400"/>
-              <a:t>: 10</a:t>
-            </a:r>
-            <a:r>
-              <a:rPr kumimoji="1" lang="zh-CN" altLang="en-US" sz="1400"/>
-              <a:t>个引体向上</a:t>
-            </a:r>
-            <a:r>
-              <a:rPr kumimoji="1" lang="en-US" altLang="zh-CN" sz="1400"/>
-              <a:t>, </a:t>
-            </a:r>
-            <a:r>
-              <a:rPr kumimoji="1" lang="zh-CN" altLang="en-US" sz="1400"/>
-              <a:t>跑</a:t>
-            </a:r>
-            <a:r>
-              <a:rPr kumimoji="1" lang="en-US" altLang="zh-CN" sz="1400"/>
-              <a:t>1</a:t>
-            </a:r>
-            <a:r>
-              <a:rPr kumimoji="1" lang="zh-CN" altLang="en-US" sz="1400"/>
-              <a:t>公里</a:t>
-            </a:r>
-            <a:r>
-              <a:rPr kumimoji="1" lang="en-US" altLang="zh-CN" sz="1400"/>
-              <a:t>, 30</a:t>
-            </a:r>
-            <a:r>
-              <a:rPr kumimoji="1" lang="zh-CN" altLang="en-US" sz="1400"/>
-              <a:t>个生蹲</a:t>
-            </a:r>
-            <a:r>
-              <a:rPr kumimoji="1" lang="en-US" altLang="zh-CN" sz="1400"/>
-              <a:t>.   </a:t>
-            </a:r>
-            <a:r>
-              <a:rPr kumimoji="1" lang="zh-CN" altLang="en-US" sz="1400"/>
-              <a:t>工作日晚上</a:t>
-            </a:r>
-            <a:r>
-              <a:rPr kumimoji="1" lang="en-US" altLang="zh-CN" sz="1400"/>
-              <a:t>: 10</a:t>
-            </a:r>
-            <a:r>
-              <a:rPr kumimoji="1" lang="zh-CN" altLang="en-US" sz="1400"/>
-              <a:t>个引体向上</a:t>
-            </a:r>
-            <a:r>
-              <a:rPr kumimoji="1" lang="en-US" altLang="zh-CN" sz="1400"/>
-              <a:t>, 30</a:t>
-            </a:r>
-            <a:r>
-              <a:rPr kumimoji="1" lang="zh-CN" altLang="en-US" sz="1400"/>
-              <a:t>个生蹲</a:t>
-            </a:r>
-            <a:r>
-              <a:rPr kumimoji="1" lang="en-US" altLang="zh-CN" sz="1400"/>
-              <a:t>.  </a:t>
-            </a:r>
-          </a:p>
-          <a:p>
-            <a:pPr lvl="1"/>
-            <a:r>
-              <a:rPr kumimoji="1" lang="en-US" altLang="zh-CN" sz="1400"/>
-              <a:t>9</a:t>
-            </a:r>
-            <a:r>
-              <a:rPr kumimoji="1" lang="zh-CN" altLang="en-US" sz="1400"/>
-              <a:t>、每天的作业本、试卷必须带回家给家长检查</a:t>
-            </a:r>
-            <a:endParaRPr kumimoji="1" lang="en-US" altLang="zh-CN" sz="1400"/>
-          </a:p>
-          <a:p>
-            <a:r>
-              <a:rPr kumimoji="1" lang="zh-CN" altLang="en-US" sz="1800"/>
-              <a:t>家长</a:t>
-            </a:r>
-            <a:endParaRPr kumimoji="1" lang="en-US" altLang="zh-CN" sz="1800"/>
-          </a:p>
-          <a:p>
-            <a:pPr lvl="1"/>
-            <a:r>
-              <a:rPr kumimoji="1" lang="en-US" altLang="zh-CN" sz="1400"/>
-              <a:t>1</a:t>
-            </a:r>
-            <a:r>
-              <a:rPr kumimoji="1" lang="zh-CN" altLang="en-US" sz="1400"/>
-              <a:t>、批作业</a:t>
-            </a:r>
-          </a:p>
-          <a:p>
-            <a:pPr lvl="1"/>
-            <a:r>
-              <a:rPr kumimoji="1" lang="en-US" altLang="zh-CN" sz="1400"/>
-              <a:t>2</a:t>
-            </a:r>
-            <a:r>
-              <a:rPr kumimoji="1" lang="zh-CN" altLang="en-US" sz="1400"/>
-              <a:t>、学生思考、与同学交流后还是不会做的错题讲解</a:t>
-            </a:r>
-          </a:p>
-          <a:p>
-            <a:pPr lvl="1"/>
-            <a:r>
-              <a:rPr kumimoji="1" lang="en-US" altLang="zh-CN" sz="1400"/>
-              <a:t>3</a:t>
-            </a:r>
-            <a:r>
-              <a:rPr kumimoji="1" lang="zh-CN" altLang="en-US" sz="1400"/>
-              <a:t>、学生思考、与同学交流后还是未理解的知识点讲解</a:t>
-            </a:r>
-          </a:p>
-          <a:p>
-            <a:pPr lvl="1"/>
-            <a:r>
-              <a:rPr kumimoji="1" lang="en-US" altLang="zh-CN" sz="1400"/>
-              <a:t>4</a:t>
-            </a:r>
-            <a:r>
-              <a:rPr kumimoji="1" lang="zh-CN" altLang="en-US" sz="1400"/>
-              <a:t>、记录数据看板</a:t>
-            </a:r>
-          </a:p>
-          <a:p>
-            <a:pPr lvl="1"/>
-            <a:r>
-              <a:rPr kumimoji="1" lang="en-US" altLang="zh-CN" sz="1400"/>
-              <a:t>5</a:t>
-            </a:r>
-            <a:r>
-              <a:rPr kumimoji="1" lang="zh-CN" altLang="en-US" sz="1400"/>
-              <a:t>、监督各项完成情况</a:t>
-            </a:r>
-          </a:p>
-          <a:p>
-            <a:pPr lvl="1"/>
-            <a:r>
-              <a:rPr kumimoji="1" lang="en-US" altLang="zh-CN" sz="1400"/>
-              <a:t>6</a:t>
-            </a:r>
-            <a:r>
-              <a:rPr kumimoji="1" lang="zh-CN" altLang="en-US" sz="1400"/>
-              <a:t>、周、月数据</a:t>
-            </a:r>
-            <a:r>
-              <a:rPr kumimoji="1" lang="en" altLang="zh-CN" sz="1400"/>
-              <a:t>review</a:t>
-            </a:r>
-            <a:r>
-              <a:rPr kumimoji="1" lang="en-US" altLang="zh-CN" sz="1400"/>
-              <a:t>,</a:t>
-            </a:r>
-            <a:r>
-              <a:rPr kumimoji="1" lang="zh-CN" altLang="en-US" sz="1400"/>
-              <a:t> 调整计划</a:t>
-            </a:r>
-          </a:p>
-        </p:txBody>
-      </p:sp>
-    </p:spTree>
-    <p:extLst>
-      <p:ext uri="{BB962C8B-B14F-4D97-AF65-F5344CB8AC3E}">
-        <p14:creationId xmlns:p14="http://schemas.microsoft.com/office/powerpoint/2010/main" val="904106947"/>
-      </p:ext>
-    </p:extLst>
-  </p:cSld>
-  <p:clrMapOvr>
-    <a:masterClrMapping/>
-  </p:clrMapOvr>
-</p:sld>
-</file>
-
-<file path=ppt/slides/slide15.xml><?xml version="1.0" encoding="utf-8"?>
-<p:sld xmlns:a="http://schemas.openxmlformats.org/drawingml/2006/main" xmlns:r="http://schemas.openxmlformats.org/officeDocument/2006/relationships" xmlns:p="http://schemas.openxmlformats.org/presentationml/2006/main">
-  <p:cSld>
-    <p:spTree>
-      <p:nvGrpSpPr>
-        <p:cNvPr id="1" name=""/>
-        <p:cNvGrpSpPr/>
-        <p:nvPr/>
-      </p:nvGrpSpPr>
-      <p:grpSpPr>
-        <a:xfrm>
-          <a:off x="0" y="0"/>
-          <a:ext cx="0" cy="0"/>
-          <a:chOff x="0" y="0"/>
-          <a:chExt cx="0" cy="0"/>
-        </a:xfrm>
-      </p:grpSpPr>
-      <p:sp>
-        <p:nvSpPr>
-          <p:cNvPr id="2" name="标题 1">
-            <a:extLst>
-              <a:ext uri="{FF2B5EF4-FFF2-40B4-BE49-F238E27FC236}">
                 <a16:creationId xmlns:a16="http://schemas.microsoft.com/office/drawing/2014/main" id="{F4BD06EA-DF51-CA44-9CEF-EF02F35ACF05}"/>
               </a:ext>
             </a:extLst>
@@ -5689,7 +5497,7 @@
 </p:sld>
 </file>
 
-<file path=ppt/slides/slide16.xml><?xml version="1.0" encoding="utf-8"?>
+<file path=ppt/slides/slide15.xml><?xml version="1.0" encoding="utf-8"?>
 <p:sld xmlns:a="http://schemas.openxmlformats.org/drawingml/2006/main" xmlns:r="http://schemas.openxmlformats.org/officeDocument/2006/relationships" xmlns:p="http://schemas.openxmlformats.org/presentationml/2006/main">
   <p:cSld>
     <p:spTree>
@@ -6951,7 +6759,7 @@
           <p:cNvPr id="2" name="标题 1">
             <a:extLst>
               <a:ext uri="{FF2B5EF4-FFF2-40B4-BE49-F238E27FC236}">
-                <a16:creationId xmlns:a16="http://schemas.microsoft.com/office/drawing/2014/main" id="{0044DE9C-97BB-E545-BF7D-06D9F40FD059}"/>
+                <a16:creationId xmlns:a16="http://schemas.microsoft.com/office/drawing/2014/main" id="{7CD1C4D3-70F4-094C-8902-07421D56AB0B}"/>
               </a:ext>
             </a:extLst>
           </p:cNvPr>
@@ -6979,7 +6787,7 @@
           <p:cNvPr id="3" name="内容占位符 2">
             <a:extLst>
               <a:ext uri="{FF2B5EF4-FFF2-40B4-BE49-F238E27FC236}">
-                <a16:creationId xmlns:a16="http://schemas.microsoft.com/office/drawing/2014/main" id="{367789E6-7AEE-9049-AC06-A72508F2B175}"/>
+                <a16:creationId xmlns:a16="http://schemas.microsoft.com/office/drawing/2014/main" id="{FCDE3BC7-FD28-7A4F-AC94-EFD0E52A5D05}"/>
               </a:ext>
             </a:extLst>
           </p:cNvPr>
@@ -6997,10 +6805,129 @@
           <a:p>
             <a:r>
               <a:rPr kumimoji="1" lang="zh-CN" altLang="en-US"/>
+              <a:t>兴趣班</a:t>
+            </a:r>
+            <a:endParaRPr kumimoji="1" lang="en-US" altLang="zh-CN"/>
+          </a:p>
+          <a:p>
+            <a:pPr lvl="1"/>
+            <a:r>
+              <a:rPr kumimoji="1" lang="zh-CN" altLang="en-US"/>
+              <a:t>计算机</a:t>
+            </a:r>
+            <a:r>
+              <a:rPr kumimoji="1" lang="en-US" altLang="zh-CN"/>
+              <a:t>:</a:t>
+            </a:r>
+            <a:r>
+              <a:rPr kumimoji="1" lang="zh-CN" altLang="en-US"/>
+              <a:t>西瓜创客</a:t>
+            </a:r>
+            <a:r>
+              <a:rPr kumimoji="1" lang="en-US" altLang="zh-CN"/>
+              <a:t>-</a:t>
+            </a:r>
+            <a:r>
+              <a:rPr kumimoji="1" lang="zh-CN" altLang="en-US"/>
+              <a:t>在线</a:t>
+            </a:r>
+            <a:r>
+              <a:rPr kumimoji="1" lang="en-US" altLang="zh-CN"/>
+              <a:t>,</a:t>
+            </a:r>
+            <a:r>
+              <a:rPr kumimoji="1" lang="zh-CN" altLang="en-US"/>
+              <a:t> 礼拜五晚上</a:t>
+            </a:r>
+          </a:p>
+          <a:p>
+            <a:r>
+              <a:rPr kumimoji="1" lang="zh-CN" altLang="en-US"/>
               <a:t>辅导班</a:t>
             </a:r>
-          </a:p>
-          <a:p>
+            <a:endParaRPr kumimoji="1" lang="en-US" altLang="zh-CN"/>
+          </a:p>
+          <a:p>
+            <a:pPr lvl="1"/>
+            <a:r>
+              <a:rPr kumimoji="1" lang="zh-CN" altLang="en-US"/>
+              <a:t>语文</a:t>
+            </a:r>
+            <a:r>
+              <a:rPr kumimoji="1" lang="en-US" altLang="zh-CN"/>
+              <a:t>-</a:t>
+            </a:r>
+            <a:r>
+              <a:rPr kumimoji="1" lang="zh-CN" altLang="en-US"/>
+              <a:t>在线</a:t>
+            </a:r>
+            <a:r>
+              <a:rPr kumimoji="1" lang="en-US" altLang="zh-CN"/>
+              <a:t>,</a:t>
+            </a:r>
+            <a:r>
+              <a:rPr kumimoji="1" lang="zh-CN" altLang="en-US"/>
+              <a:t> 礼拜六下午</a:t>
+            </a:r>
+            <a:endParaRPr kumimoji="1" lang="en-US" altLang="zh-CN"/>
+          </a:p>
+          <a:p>
+            <a:pPr lvl="1"/>
+            <a:r>
+              <a:rPr kumimoji="1" lang="zh-CN" altLang="en-US"/>
+              <a:t>数学</a:t>
+            </a:r>
+            <a:r>
+              <a:rPr kumimoji="1" lang="en-US" altLang="zh-CN"/>
+              <a:t>-</a:t>
+            </a:r>
+            <a:r>
+              <a:rPr kumimoji="1" lang="zh-CN" altLang="en-US"/>
+              <a:t>线下</a:t>
+            </a:r>
+            <a:r>
+              <a:rPr kumimoji="1" lang="en-US" altLang="zh-CN"/>
+              <a:t>,</a:t>
+            </a:r>
+            <a:r>
+              <a:rPr kumimoji="1" lang="zh-CN" altLang="en-US"/>
+              <a:t> 礼拜天上午</a:t>
+            </a:r>
+            <a:endParaRPr kumimoji="1" lang="en-US" altLang="zh-CN"/>
+          </a:p>
+          <a:p>
+            <a:pPr lvl="1"/>
+            <a:r>
+              <a:rPr kumimoji="1" lang="zh-CN" altLang="en-US"/>
+              <a:t>英语</a:t>
+            </a:r>
+            <a:r>
+              <a:rPr kumimoji="1" lang="en-US" altLang="zh-CN"/>
+              <a:t>-</a:t>
+            </a:r>
+            <a:r>
+              <a:rPr kumimoji="1" lang="zh-CN" altLang="en-US"/>
+              <a:t>线下</a:t>
+            </a:r>
+            <a:r>
+              <a:rPr kumimoji="1" lang="en-US" altLang="zh-CN"/>
+              <a:t>,</a:t>
+            </a:r>
+            <a:r>
+              <a:rPr kumimoji="1" lang="zh-CN" altLang="en-US"/>
+              <a:t> 礼拜六下午</a:t>
+            </a:r>
+            <a:endParaRPr kumimoji="1" lang="en-US" altLang="zh-CN"/>
+          </a:p>
+          <a:p>
+            <a:r>
+              <a:rPr kumimoji="1" lang="zh-CN" altLang="en-US"/>
+              <a:t>日常</a:t>
+            </a:r>
+            <a:endParaRPr kumimoji="1" lang="en-US" altLang="zh-CN"/>
+          </a:p>
+          <a:p>
+            <a:pPr lvl="1"/>
             <a:r>
               <a:rPr kumimoji="1" lang="zh-CN" altLang="en-US"/>
               <a:t>英语口语</a:t>
@@ -7008,21 +6935,19 @@
             <a:endParaRPr kumimoji="1" lang="en-US" altLang="zh-CN"/>
           </a:p>
           <a:p>
-            <a:r>
-              <a:rPr kumimoji="1" lang="zh-CN" altLang="en-US"/>
-              <a:t>计算机编程</a:t>
+            <a:pPr lvl="1"/>
+            <a:r>
+              <a:rPr kumimoji="1" lang="zh-CN" altLang="en-US"/>
+              <a:t>读名著</a:t>
             </a:r>
             <a:endParaRPr kumimoji="1" lang="en-US" altLang="zh-CN"/>
-          </a:p>
-          <a:p>
-            <a:endParaRPr kumimoji="1" lang="zh-CN" altLang="en-US"/>
           </a:p>
         </p:txBody>
       </p:sp>
     </p:spTree>
     <p:extLst>
       <p:ext uri="{BB962C8B-B14F-4D97-AF65-F5344CB8AC3E}">
-        <p14:creationId xmlns:p14="http://schemas.microsoft.com/office/powerpoint/2010/main" val="3109513065"/>
+        <p14:creationId xmlns:p14="http://schemas.microsoft.com/office/powerpoint/2010/main" val="659445456"/>
       </p:ext>
     </p:extLst>
   </p:cSld>
